--- a/doc/workshop/optimizer/Optimizers.pptx
+++ b/doc/workshop/optimizer/Optimizers.pptx
@@ -5,35 +5,18 @@
     <p:sldMasterId id="2147483648" r:id="rId1"/>
   </p:sldMasterIdLst>
   <p:notesMasterIdLst>
-    <p:notesMasterId r:id="rId25"/>
+    <p:notesMasterId r:id="rId8"/>
   </p:notesMasterIdLst>
   <p:handoutMasterIdLst>
-    <p:handoutMasterId r:id="rId26"/>
+    <p:handoutMasterId r:id="rId9"/>
   </p:handoutMasterIdLst>
   <p:sldIdLst>
     <p:sldId id="272" r:id="rId2"/>
-    <p:sldId id="273" r:id="rId3"/>
-    <p:sldId id="335" r:id="rId4"/>
-    <p:sldId id="334" r:id="rId5"/>
-    <p:sldId id="336" r:id="rId6"/>
-    <p:sldId id="337" r:id="rId7"/>
-    <p:sldId id="278" r:id="rId8"/>
-    <p:sldId id="344" r:id="rId9"/>
-    <p:sldId id="338" r:id="rId10"/>
-    <p:sldId id="339" r:id="rId11"/>
-    <p:sldId id="353" r:id="rId12"/>
-    <p:sldId id="345" r:id="rId13"/>
-    <p:sldId id="341" r:id="rId14"/>
-    <p:sldId id="342" r:id="rId15"/>
-    <p:sldId id="346" r:id="rId16"/>
-    <p:sldId id="343" r:id="rId17"/>
-    <p:sldId id="347" r:id="rId18"/>
-    <p:sldId id="349" r:id="rId19"/>
-    <p:sldId id="348" r:id="rId20"/>
-    <p:sldId id="350" r:id="rId21"/>
-    <p:sldId id="351" r:id="rId22"/>
-    <p:sldId id="352" r:id="rId23"/>
-    <p:sldId id="340" r:id="rId24"/>
+    <p:sldId id="335" r:id="rId3"/>
+    <p:sldId id="334" r:id="rId4"/>
+    <p:sldId id="340" r:id="rId5"/>
+    <p:sldId id="338" r:id="rId6"/>
+    <p:sldId id="339" r:id="rId7"/>
   </p:sldIdLst>
   <p:sldSz cx="9144000" cy="6858000" type="screen4x3"/>
   <p:notesSz cx="7010400" cy="9296400"/>
@@ -33670,7 +33653,7 @@
           <a:p>
             <a:r>
               <a:rPr lang="en-US" b="0" dirty="0"/>
-              <a:t>Forward Sampling</a:t>
+              <a:t>Optimizing</a:t>
             </a:r>
           </a:p>
         </p:txBody>
@@ -33744,3264 +33727,7 @@
 </p:sld>
 </file>
 
-<file path=ppt/slides/slide10.xml><?xml version="1.0" encoding="utf-8"?>
-<p:sld xmlns:a="http://schemas.openxmlformats.org/drawingml/2006/main" xmlns:r="http://schemas.openxmlformats.org/officeDocument/2006/relationships" xmlns:p="http://schemas.openxmlformats.org/presentationml/2006/main">
-  <p:cSld>
-    <p:spTree>
-      <p:nvGrpSpPr>
-        <p:cNvPr id="1" name=""/>
-        <p:cNvGrpSpPr/>
-        <p:nvPr/>
-      </p:nvGrpSpPr>
-      <p:grpSpPr>
-        <a:xfrm>
-          <a:off x="0" y="0"/>
-          <a:ext cx="0" cy="0"/>
-          <a:chOff x="0" y="0"/>
-          <a:chExt cx="0" cy="0"/>
-        </a:xfrm>
-      </p:grpSpPr>
-      <p:sp>
-        <p:nvSpPr>
-          <p:cNvPr id="2" name="Title 1">
-            <a:extLst>
-              <a:ext uri="{FF2B5EF4-FFF2-40B4-BE49-F238E27FC236}">
-                <a16:creationId xmlns:a16="http://schemas.microsoft.com/office/drawing/2014/main" id="{4A0CC8C0-1E00-1E44-ADF4-F69197E4FE72}"/>
-              </a:ext>
-            </a:extLst>
-          </p:cNvPr>
-          <p:cNvSpPr>
-            <a:spLocks noGrp="1"/>
-          </p:cNvSpPr>
-          <p:nvPr>
-            <p:ph type="title"/>
-          </p:nvPr>
-        </p:nvSpPr>
-        <p:spPr/>
-        <p:txBody>
-          <a:bodyPr/>
-          <a:lstStyle/>
-          <a:p>
-            <a:r>
-              <a:rPr lang="en-US" dirty="0"/>
-              <a:t>1) Now try running it</a:t>
-            </a:r>
-          </a:p>
-        </p:txBody>
-      </p:sp>
-      <p:sp>
-        <p:nvSpPr>
-          <p:cNvPr id="6" name="Content Placeholder 5">
-            <a:extLst>
-              <a:ext uri="{FF2B5EF4-FFF2-40B4-BE49-F238E27FC236}">
-                <a16:creationId xmlns:a16="http://schemas.microsoft.com/office/drawing/2014/main" id="{BE137DCC-A19C-A14D-AC48-FAA1552D6CB5}"/>
-              </a:ext>
-            </a:extLst>
-          </p:cNvPr>
-          <p:cNvSpPr>
-            <a:spLocks noGrp="1"/>
-          </p:cNvSpPr>
-          <p:nvPr>
-            <p:ph idx="1"/>
-          </p:nvPr>
-        </p:nvSpPr>
-        <p:spPr/>
-        <p:txBody>
-          <a:bodyPr/>
-          <a:lstStyle/>
-          <a:p>
-            <a:r>
-              <a:rPr lang="en-US" dirty="0"/>
-              <a:t>To run RAVEN:</a:t>
-            </a:r>
-          </a:p>
-          <a:p>
-            <a:endParaRPr lang="en-US" dirty="0"/>
-          </a:p>
-          <a:p>
-            <a:endParaRPr lang="en-US" dirty="0"/>
-          </a:p>
-          <a:p>
-            <a:endParaRPr lang="en-US" dirty="0"/>
-          </a:p>
-          <a:p>
-            <a:endParaRPr lang="en-US" dirty="0"/>
-          </a:p>
-          <a:p>
-            <a:r>
-              <a:rPr lang="en-US" dirty="0"/>
-              <a:t>You should see a 4D plot</a:t>
-            </a:r>
-          </a:p>
-          <a:p>
-            <a:pPr lvl="1"/>
-            <a:r>
-              <a:rPr lang="en-US" dirty="0"/>
-              <a:t>launch angle </a:t>
-            </a:r>
-          </a:p>
-          <a:p>
-            <a:pPr lvl="1"/>
-            <a:r>
-              <a:rPr lang="en-US" dirty="0"/>
-              <a:t>launch velocity</a:t>
-            </a:r>
-          </a:p>
-          <a:p>
-            <a:pPr lvl="1"/>
-            <a:r>
-              <a:rPr lang="en-US" dirty="0"/>
-              <a:t>range</a:t>
-            </a:r>
-          </a:p>
-          <a:p>
-            <a:pPr lvl="1"/>
-            <a:r>
-              <a:rPr lang="en-US" dirty="0"/>
-              <a:t>time of flight (point color)</a:t>
-            </a:r>
-          </a:p>
-          <a:p>
-            <a:pPr lvl="1"/>
-            <a:endParaRPr lang="en-US" dirty="0"/>
-          </a:p>
-          <a:p>
-            <a:r>
-              <a:rPr lang="en-US" b="1" dirty="0">
-                <a:solidFill>
-                  <a:schemeClr val="accent1"/>
-                </a:solidFill>
-              </a:rPr>
-              <a:t>Ready? Go!</a:t>
-            </a:r>
-          </a:p>
-        </p:txBody>
-      </p:sp>
-      <p:sp>
-        <p:nvSpPr>
-          <p:cNvPr id="7" name="TextBox 6">
-            <a:extLst>
-              <a:ext uri="{FF2B5EF4-FFF2-40B4-BE49-F238E27FC236}">
-                <a16:creationId xmlns:a16="http://schemas.microsoft.com/office/drawing/2014/main" id="{465A97FC-5B54-9047-8873-8CCF456C0481}"/>
-              </a:ext>
-            </a:extLst>
-          </p:cNvPr>
-          <p:cNvSpPr txBox="1"/>
-          <p:nvPr/>
-        </p:nvSpPr>
-        <p:spPr>
-          <a:xfrm>
-            <a:off x="455613" y="1910207"/>
-            <a:ext cx="8494423" cy="1200329"/>
-          </a:xfrm>
-          <a:prstGeom prst="rect">
-            <a:avLst/>
-          </a:prstGeom>
-          <a:solidFill>
-            <a:schemeClr val="bg1">
-              <a:lumMod val="50000"/>
-            </a:schemeClr>
-          </a:solidFill>
-        </p:spPr>
-        <p:txBody>
-          <a:bodyPr wrap="square" rtlCol="0">
-            <a:spAutoFit/>
-          </a:bodyPr>
-          <a:lstStyle/>
-          <a:p>
-            <a:pPr marL="0" indent="0">
-              <a:buNone/>
-            </a:pPr>
-            <a:endParaRPr lang="en-US" sz="1800" dirty="0">
-              <a:latin typeface="Lucida Console" panose="020B0609040504020204" pitchFamily="49" charset="0"/>
-            </a:endParaRPr>
-          </a:p>
-          <a:p>
-            <a:pPr marL="0" indent="0">
-              <a:buNone/>
-            </a:pPr>
-            <a:r>
-              <a:rPr lang="en-US" sz="1800" dirty="0">
-                <a:latin typeface="Lucida Console" panose="020B0609040504020204" pitchFamily="49" charset="0"/>
-              </a:rPr>
-              <a:t>&gt;</a:t>
-            </a:r>
-            <a:r>
-              <a:rPr lang="en-US" sz="1800" dirty="0">
-                <a:solidFill>
-                  <a:schemeClr val="bg1"/>
-                </a:solidFill>
-                <a:latin typeface="Lucida Console" panose="020B0609040504020204" pitchFamily="49" charset="0"/>
-              </a:rPr>
-              <a:t> cd doc/workshop/</a:t>
-            </a:r>
-            <a:r>
-              <a:rPr lang="en-US" sz="1800" dirty="0" err="1">
-                <a:solidFill>
-                  <a:schemeClr val="bg1"/>
-                </a:solidFill>
-                <a:latin typeface="Lucida Console" panose="020B0609040504020204" pitchFamily="49" charset="0"/>
-              </a:rPr>
-              <a:t>forwardSampling</a:t>
-            </a:r>
-            <a:r>
-              <a:rPr lang="en-US" sz="1800" dirty="0">
-                <a:solidFill>
-                  <a:schemeClr val="bg1"/>
-                </a:solidFill>
-                <a:latin typeface="Lucida Console" panose="020B0609040504020204" pitchFamily="49" charset="0"/>
-              </a:rPr>
-              <a:t>/exercises</a:t>
-            </a:r>
-            <a:endParaRPr lang="en-US" sz="1800" dirty="0">
-              <a:latin typeface="Lucida Console" panose="020B0609040504020204" pitchFamily="49" charset="0"/>
-            </a:endParaRPr>
-          </a:p>
-          <a:p>
-            <a:pPr marL="0" indent="0">
-              <a:buNone/>
-            </a:pPr>
-            <a:r>
-              <a:rPr lang="en-US" sz="1800" dirty="0">
-                <a:latin typeface="Lucida Console" panose="020B0609040504020204" pitchFamily="49" charset="0"/>
-              </a:rPr>
-              <a:t>&gt; </a:t>
-            </a:r>
-            <a:r>
-              <a:rPr lang="en-US" sz="1800" dirty="0">
-                <a:solidFill>
-                  <a:schemeClr val="bg1"/>
-                </a:solidFill>
-                <a:latin typeface="Lucida Console" panose="020B0609040504020204" pitchFamily="49" charset="0"/>
-              </a:rPr>
-              <a:t>~/projects/raven/</a:t>
-            </a:r>
-            <a:r>
-              <a:rPr lang="en-US" sz="1800" dirty="0" err="1">
-                <a:solidFill>
-                  <a:schemeClr val="bg1"/>
-                </a:solidFill>
-                <a:latin typeface="Lucida Console" panose="020B0609040504020204" pitchFamily="49" charset="0"/>
-              </a:rPr>
-              <a:t>raven_framework</a:t>
-            </a:r>
-            <a:r>
-              <a:rPr lang="en-US" sz="1800" dirty="0">
-                <a:solidFill>
-                  <a:schemeClr val="bg1"/>
-                </a:solidFill>
-                <a:latin typeface="Lucida Console" panose="020B0609040504020204" pitchFamily="49" charset="0"/>
-              </a:rPr>
-              <a:t> 1_sample_and_plot.xml</a:t>
-            </a:r>
-          </a:p>
-          <a:p>
-            <a:pPr marL="0" indent="0">
-              <a:buNone/>
-            </a:pPr>
-            <a:endParaRPr lang="en-US" sz="1800" dirty="0">
-              <a:solidFill>
-                <a:schemeClr val="bg1"/>
-              </a:solidFill>
-              <a:latin typeface="Lucida Console" panose="020B0609040504020204" pitchFamily="49" charset="0"/>
-            </a:endParaRPr>
-          </a:p>
-        </p:txBody>
-      </p:sp>
-    </p:spTree>
-    <p:extLst>
-      <p:ext uri="{BB962C8B-B14F-4D97-AF65-F5344CB8AC3E}">
-        <p14:creationId xmlns:p14="http://schemas.microsoft.com/office/powerpoint/2010/main" val="697058250"/>
-      </p:ext>
-    </p:extLst>
-  </p:cSld>
-  <p:clrMapOvr>
-    <a:masterClrMapping/>
-  </p:clrMapOvr>
-</p:sld>
-</file>
-
-<file path=ppt/slides/slide11.xml><?xml version="1.0" encoding="utf-8"?>
-<p:sld xmlns:a="http://schemas.openxmlformats.org/drawingml/2006/main" xmlns:r="http://schemas.openxmlformats.org/officeDocument/2006/relationships" xmlns:p="http://schemas.openxmlformats.org/presentationml/2006/main">
-  <p:cSld>
-    <p:spTree>
-      <p:nvGrpSpPr>
-        <p:cNvPr id="1" name=""/>
-        <p:cNvGrpSpPr/>
-        <p:nvPr/>
-      </p:nvGrpSpPr>
-      <p:grpSpPr>
-        <a:xfrm>
-          <a:off x="0" y="0"/>
-          <a:ext cx="0" cy="0"/>
-          <a:chOff x="0" y="0"/>
-          <a:chExt cx="0" cy="0"/>
-        </a:xfrm>
-      </p:grpSpPr>
-      <p:sp>
-        <p:nvSpPr>
-          <p:cNvPr id="2" name="Title 1">
-            <a:extLst>
-              <a:ext uri="{FF2B5EF4-FFF2-40B4-BE49-F238E27FC236}">
-                <a16:creationId xmlns:a16="http://schemas.microsoft.com/office/drawing/2014/main" id="{51006A22-F413-AE4D-ACAD-347EA1964CAB}"/>
-              </a:ext>
-            </a:extLst>
-          </p:cNvPr>
-          <p:cNvSpPr>
-            <a:spLocks noGrp="1"/>
-          </p:cNvSpPr>
-          <p:nvPr>
-            <p:ph type="title"/>
-          </p:nvPr>
-        </p:nvSpPr>
-        <p:spPr/>
-        <p:txBody>
-          <a:bodyPr/>
-          <a:lstStyle/>
-          <a:p>
-            <a:r>
-              <a:rPr lang="en-US" dirty="0"/>
-              <a:t>1) Discussion</a:t>
-            </a:r>
-          </a:p>
-        </p:txBody>
-      </p:sp>
-      <p:sp>
-        <p:nvSpPr>
-          <p:cNvPr id="3" name="Content Placeholder 2">
-            <a:extLst>
-              <a:ext uri="{FF2B5EF4-FFF2-40B4-BE49-F238E27FC236}">
-                <a16:creationId xmlns:a16="http://schemas.microsoft.com/office/drawing/2014/main" id="{FA1C246F-8E46-EC4C-B6EC-788BEC814256}"/>
-              </a:ext>
-            </a:extLst>
-          </p:cNvPr>
-          <p:cNvSpPr>
-            <a:spLocks noGrp="1"/>
-          </p:cNvSpPr>
-          <p:nvPr>
-            <p:ph idx="1"/>
-          </p:nvPr>
-        </p:nvSpPr>
-        <p:spPr/>
-        <p:txBody>
-          <a:bodyPr/>
-          <a:lstStyle/>
-          <a:p>
-            <a:r>
-              <a:rPr lang="en-US" dirty="0" err="1"/>
-              <a:t>DataObjects</a:t>
-            </a:r>
-            <a:r>
-              <a:rPr lang="en-US" dirty="0"/>
-              <a:t>: </a:t>
-            </a:r>
-            <a:r>
-              <a:rPr lang="en-US" dirty="0" err="1"/>
-              <a:t>PointSets</a:t>
-            </a:r>
-            <a:endParaRPr lang="en-US" dirty="0"/>
-          </a:p>
-          <a:p>
-            <a:pPr lvl="1"/>
-            <a:r>
-              <a:rPr lang="en-US" dirty="0"/>
-              <a:t>Stores one row per sample</a:t>
-            </a:r>
-          </a:p>
-          <a:p>
-            <a:pPr lvl="1"/>
-            <a:r>
-              <a:rPr lang="en-US" dirty="0"/>
-              <a:t>Metadata: </a:t>
-            </a:r>
-            <a:r>
-              <a:rPr lang="en-US" dirty="0" err="1"/>
-              <a:t>ProbabilityWeight</a:t>
-            </a:r>
-            <a:r>
-              <a:rPr lang="en-US" dirty="0"/>
-              <a:t>, Prefix, </a:t>
-            </a:r>
-            <a:r>
-              <a:rPr lang="en-US" dirty="0" err="1"/>
-              <a:t>PointProbability</a:t>
-            </a:r>
-            <a:endParaRPr lang="en-US" dirty="0"/>
-          </a:p>
-          <a:p>
-            <a:pPr lvl="1"/>
-            <a:endParaRPr lang="en-US" dirty="0"/>
-          </a:p>
-          <a:p>
-            <a:r>
-              <a:rPr lang="en-US" dirty="0" err="1"/>
-              <a:t>OutStreams</a:t>
-            </a:r>
-            <a:endParaRPr lang="en-US" dirty="0"/>
-          </a:p>
-          <a:p>
-            <a:pPr lvl="1"/>
-            <a:r>
-              <a:rPr lang="en-US" dirty="0"/>
-              <a:t>Nothing is written to file without an </a:t>
-            </a:r>
-            <a:r>
-              <a:rPr lang="en-US" dirty="0" err="1"/>
-              <a:t>OutStream</a:t>
-            </a:r>
-            <a:r>
-              <a:rPr lang="en-US" dirty="0"/>
-              <a:t> Print or Plot!</a:t>
-            </a:r>
-          </a:p>
-          <a:p>
-            <a:pPr lvl="1"/>
-            <a:endParaRPr lang="en-US" dirty="0"/>
-          </a:p>
-          <a:p>
-            <a:r>
-              <a:rPr lang="en-US" dirty="0"/>
-              <a:t>Steps and Sequence</a:t>
-            </a:r>
-          </a:p>
-          <a:p>
-            <a:pPr lvl="1"/>
-            <a:r>
-              <a:rPr lang="en-US" dirty="0"/>
-              <a:t>Steps define possible actions to take</a:t>
-            </a:r>
-          </a:p>
-          <a:p>
-            <a:pPr lvl="1"/>
-            <a:r>
-              <a:rPr lang="en-US" dirty="0"/>
-              <a:t>Sequence defines order of actions</a:t>
-            </a:r>
-          </a:p>
-        </p:txBody>
-      </p:sp>
-    </p:spTree>
-    <p:extLst>
-      <p:ext uri="{BB962C8B-B14F-4D97-AF65-F5344CB8AC3E}">
-        <p14:creationId xmlns:p14="http://schemas.microsoft.com/office/powerpoint/2010/main" val="2515134238"/>
-      </p:ext>
-    </p:extLst>
-  </p:cSld>
-  <p:clrMapOvr>
-    <a:masterClrMapping/>
-  </p:clrMapOvr>
-</p:sld>
-</file>
-
-<file path=ppt/slides/slide12.xml><?xml version="1.0" encoding="utf-8"?>
-<p:sld xmlns:a="http://schemas.openxmlformats.org/drawingml/2006/main" xmlns:r="http://schemas.openxmlformats.org/officeDocument/2006/relationships" xmlns:p="http://schemas.openxmlformats.org/presentationml/2006/main">
-  <p:cSld>
-    <p:spTree>
-      <p:nvGrpSpPr>
-        <p:cNvPr id="1" name=""/>
-        <p:cNvGrpSpPr/>
-        <p:nvPr/>
-      </p:nvGrpSpPr>
-      <p:grpSpPr>
-        <a:xfrm>
-          <a:off x="0" y="0"/>
-          <a:ext cx="0" cy="0"/>
-          <a:chOff x="0" y="0"/>
-          <a:chExt cx="0" cy="0"/>
-        </a:xfrm>
-      </p:grpSpPr>
-      <p:sp>
-        <p:nvSpPr>
-          <p:cNvPr id="68612" name="Rectangle 4"/>
-          <p:cNvSpPr>
-            <a:spLocks noGrp="1" noChangeArrowheads="1"/>
-          </p:cNvSpPr>
-          <p:nvPr>
-            <p:ph type="ctrTitle"/>
-          </p:nvPr>
-        </p:nvSpPr>
-        <p:spPr>
-          <a:xfrm>
-            <a:off x="2892425" y="1717001"/>
-            <a:ext cx="5797550" cy="430887"/>
-          </a:xfrm>
-        </p:spPr>
-        <p:txBody>
-          <a:bodyPr/>
-          <a:lstStyle/>
-          <a:p>
-            <a:r>
-              <a:rPr lang="en-US" b="0" dirty="0"/>
-              <a:t>Exercise 2</a:t>
-            </a:r>
-          </a:p>
-        </p:txBody>
-      </p:sp>
-      <p:sp>
-        <p:nvSpPr>
-          <p:cNvPr id="68613" name="Rectangle 5"/>
-          <p:cNvSpPr>
-            <a:spLocks noGrp="1" noChangeArrowheads="1"/>
-          </p:cNvSpPr>
-          <p:nvPr>
-            <p:ph type="subTitle" idx="1"/>
-          </p:nvPr>
-        </p:nvSpPr>
-        <p:spPr>
-          <a:xfrm>
-            <a:off x="2914650" y="2514600"/>
-            <a:ext cx="5775325" cy="612775"/>
-          </a:xfrm>
-        </p:spPr>
-        <p:txBody>
-          <a:bodyPr/>
-          <a:lstStyle/>
-          <a:p>
-            <a:r>
-              <a:rPr lang="en-US" b="0" dirty="0"/>
-              <a:t>Changing Distributions</a:t>
-            </a:r>
-          </a:p>
-        </p:txBody>
-      </p:sp>
-      <p:pic>
-        <p:nvPicPr>
-          <p:cNvPr id="6" name="Picture 6" descr="raven.gif"/>
-          <p:cNvPicPr>
-            <a:picLocks noChangeAspect="1"/>
-          </p:cNvPicPr>
-          <p:nvPr/>
-        </p:nvPicPr>
-        <p:blipFill>
-          <a:blip r:embed="rId2">
-            <a:alphaModFix amt="32000"/>
-          </a:blip>
-          <a:srcRect/>
-          <a:stretch>
-            <a:fillRect/>
-          </a:stretch>
-        </p:blipFill>
-        <p:spPr bwMode="auto">
-          <a:xfrm>
-            <a:off x="4098571" y="3875434"/>
-            <a:ext cx="2936052" cy="2202039"/>
-          </a:xfrm>
-          <a:prstGeom prst="rect">
-            <a:avLst/>
-          </a:prstGeom>
-          <a:noFill/>
-          <a:ln w="9525">
-            <a:noFill/>
-            <a:miter lim="800000"/>
-            <a:headEnd/>
-            <a:tailEnd/>
-          </a:ln>
-        </p:spPr>
-      </p:pic>
-    </p:spTree>
-    <p:extLst>
-      <p:ext uri="{BB962C8B-B14F-4D97-AF65-F5344CB8AC3E}">
-        <p14:creationId xmlns:p14="http://schemas.microsoft.com/office/powerpoint/2010/main" val="4068851136"/>
-      </p:ext>
-    </p:extLst>
-  </p:cSld>
-  <p:clrMapOvr>
-    <a:masterClrMapping/>
-  </p:clrMapOvr>
-</p:sld>
-</file>
-
-<file path=ppt/slides/slide13.xml><?xml version="1.0" encoding="utf-8"?>
-<p:sld xmlns:a="http://schemas.openxmlformats.org/drawingml/2006/main" xmlns:r="http://schemas.openxmlformats.org/officeDocument/2006/relationships" xmlns:p="http://schemas.openxmlformats.org/presentationml/2006/main">
-  <p:cSld>
-    <p:spTree>
-      <p:nvGrpSpPr>
-        <p:cNvPr id="1" name=""/>
-        <p:cNvGrpSpPr/>
-        <p:nvPr/>
-      </p:nvGrpSpPr>
-      <p:grpSpPr>
-        <a:xfrm>
-          <a:off x="0" y="0"/>
-          <a:ext cx="0" cy="0"/>
-          <a:chOff x="0" y="0"/>
-          <a:chExt cx="0" cy="0"/>
-        </a:xfrm>
-      </p:grpSpPr>
-      <p:sp>
-        <p:nvSpPr>
-          <p:cNvPr id="2" name="Title 1">
-            <a:extLst>
-              <a:ext uri="{FF2B5EF4-FFF2-40B4-BE49-F238E27FC236}">
-                <a16:creationId xmlns:a16="http://schemas.microsoft.com/office/drawing/2014/main" id="{864BCDCC-51DF-1041-8E8C-26B953BE6E64}"/>
-              </a:ext>
-            </a:extLst>
-          </p:cNvPr>
-          <p:cNvSpPr>
-            <a:spLocks noGrp="1"/>
-          </p:cNvSpPr>
-          <p:nvPr>
-            <p:ph type="title"/>
-          </p:nvPr>
-        </p:nvSpPr>
-        <p:spPr/>
-        <p:txBody>
-          <a:bodyPr/>
-          <a:lstStyle/>
-          <a:p>
-            <a:r>
-              <a:rPr lang="en-US" dirty="0"/>
-              <a:t>2) Now how to change some things</a:t>
-            </a:r>
-          </a:p>
-        </p:txBody>
-      </p:sp>
-      <p:sp>
-        <p:nvSpPr>
-          <p:cNvPr id="3" name="Content Placeholder 2">
-            <a:extLst>
-              <a:ext uri="{FF2B5EF4-FFF2-40B4-BE49-F238E27FC236}">
-                <a16:creationId xmlns:a16="http://schemas.microsoft.com/office/drawing/2014/main" id="{03272E75-92CA-3C45-9C21-999D6D886626}"/>
-              </a:ext>
-            </a:extLst>
-          </p:cNvPr>
-          <p:cNvSpPr>
-            <a:spLocks noGrp="1"/>
-          </p:cNvSpPr>
-          <p:nvPr>
-            <p:ph idx="1"/>
-          </p:nvPr>
-        </p:nvSpPr>
-        <p:spPr/>
-        <p:txBody>
-          <a:bodyPr/>
-          <a:lstStyle/>
-          <a:p>
-            <a:r>
-              <a:rPr lang="en-US" b="1" dirty="0">
-                <a:solidFill>
-                  <a:schemeClr val="accent1"/>
-                </a:solidFill>
-              </a:rPr>
-              <a:t>Open up the RAVEN user manual</a:t>
-            </a:r>
-          </a:p>
-          <a:p>
-            <a:pPr lvl="1"/>
-            <a:r>
-              <a:rPr lang="en-US" dirty="0"/>
-              <a:t>Choose one:</a:t>
-            </a:r>
-          </a:p>
-          <a:p>
-            <a:pPr lvl="2"/>
-            <a:r>
-              <a:rPr lang="en-US" dirty="0"/>
-              <a:t>Compile manually (requires </a:t>
-            </a:r>
-            <a:r>
-              <a:rPr lang="en-US" dirty="0" err="1"/>
-              <a:t>TeX</a:t>
-            </a:r>
-            <a:r>
-              <a:rPr lang="en-US" dirty="0"/>
-              <a:t>)</a:t>
-            </a:r>
-          </a:p>
-          <a:p>
-            <a:pPr lvl="1"/>
-            <a:endParaRPr lang="en-US" dirty="0"/>
-          </a:p>
-          <a:p>
-            <a:pPr lvl="1"/>
-            <a:endParaRPr lang="en-US" dirty="0"/>
-          </a:p>
-          <a:p>
-            <a:pPr lvl="2"/>
-            <a:r>
-              <a:rPr lang="en-US" dirty="0"/>
-              <a:t>Download from RAVEN wiki</a:t>
-            </a:r>
-          </a:p>
-          <a:p>
-            <a:pPr lvl="3"/>
-            <a:r>
-              <a:rPr lang="en-US" dirty="0">
-                <a:solidFill>
-                  <a:schemeClr val="accent2"/>
-                </a:solidFill>
-                <a:hlinkClick r:id="rId2">
-                  <a:extLst>
-                    <a:ext uri="{A12FA001-AC4F-418D-AE19-62706E023703}">
-                      <ahyp:hlinkClr xmlns:ahyp="http://schemas.microsoft.com/office/drawing/2018/hyperlinkcolor" val="tx"/>
-                    </a:ext>
-                  </a:extLst>
-                </a:hlinkClick>
-              </a:rPr>
-              <a:t>https://github.com/idaholab/raven/wiki</a:t>
-            </a:r>
-            <a:endParaRPr lang="en-US" dirty="0">
-              <a:solidFill>
-                <a:schemeClr val="accent2"/>
-              </a:solidFill>
-            </a:endParaRPr>
-          </a:p>
-          <a:p>
-            <a:pPr lvl="3"/>
-            <a:r>
-              <a:rPr lang="en-US" dirty="0"/>
-              <a:t>under Documents, Raven user manual</a:t>
-            </a:r>
-          </a:p>
-          <a:p>
-            <a:endParaRPr lang="en-US" dirty="0"/>
-          </a:p>
-          <a:p>
-            <a:r>
-              <a:rPr lang="en-US" dirty="0"/>
-              <a:t>Navigate manual to help with Exercise 2</a:t>
-            </a:r>
-          </a:p>
-          <a:p>
-            <a:endParaRPr lang="en-US" dirty="0"/>
-          </a:p>
-          <a:p>
-            <a:r>
-              <a:rPr lang="en-US" dirty="0"/>
-              <a:t>New input file:</a:t>
-            </a:r>
-          </a:p>
-        </p:txBody>
-      </p:sp>
-      <p:sp>
-        <p:nvSpPr>
-          <p:cNvPr id="4" name="TextBox 3">
-            <a:extLst>
-              <a:ext uri="{FF2B5EF4-FFF2-40B4-BE49-F238E27FC236}">
-                <a16:creationId xmlns:a16="http://schemas.microsoft.com/office/drawing/2014/main" id="{59E78FA9-D427-9E4D-AABA-A74CA60C46D5}"/>
-              </a:ext>
-            </a:extLst>
-          </p:cNvPr>
-          <p:cNvSpPr txBox="1"/>
-          <p:nvPr/>
-        </p:nvSpPr>
-        <p:spPr>
-          <a:xfrm>
-            <a:off x="2034883" y="2521413"/>
-            <a:ext cx="5665073" cy="646331"/>
-          </a:xfrm>
-          <a:prstGeom prst="rect">
-            <a:avLst/>
-          </a:prstGeom>
-          <a:solidFill>
-            <a:schemeClr val="bg1">
-              <a:lumMod val="50000"/>
-            </a:schemeClr>
-          </a:solidFill>
-        </p:spPr>
-        <p:txBody>
-          <a:bodyPr wrap="square" rtlCol="0">
-            <a:spAutoFit/>
-          </a:bodyPr>
-          <a:lstStyle/>
-          <a:p>
-            <a:pPr marL="0" indent="0">
-              <a:buNone/>
-            </a:pPr>
-            <a:r>
-              <a:rPr lang="en-US" sz="1800" dirty="0">
-                <a:latin typeface="Lucida Console" panose="020B0609040504020204" pitchFamily="49" charset="0"/>
-              </a:rPr>
-              <a:t>&gt;</a:t>
-            </a:r>
-            <a:r>
-              <a:rPr lang="en-US" sz="1800" dirty="0">
-                <a:solidFill>
-                  <a:schemeClr val="bg1"/>
-                </a:solidFill>
-                <a:latin typeface="Lucida Console" panose="020B0609040504020204" pitchFamily="49" charset="0"/>
-              </a:rPr>
-              <a:t> cd raven/doc/</a:t>
-            </a:r>
-          </a:p>
-          <a:p>
-            <a:pPr marL="0" indent="0">
-              <a:buNone/>
-            </a:pPr>
-            <a:r>
-              <a:rPr lang="en-US" sz="1800" dirty="0">
-                <a:latin typeface="Lucida Console" panose="020B0609040504020204" pitchFamily="49" charset="0"/>
-              </a:rPr>
-              <a:t>&gt;</a:t>
-            </a:r>
-            <a:r>
-              <a:rPr lang="en-US" sz="1800" dirty="0">
-                <a:solidFill>
-                  <a:schemeClr val="bg1"/>
-                </a:solidFill>
-                <a:latin typeface="Lucida Console" panose="020B0609040504020204" pitchFamily="49" charset="0"/>
-              </a:rPr>
-              <a:t> ./</a:t>
-            </a:r>
-            <a:r>
-              <a:rPr lang="en-US" sz="1800" dirty="0" err="1">
-                <a:solidFill>
-                  <a:schemeClr val="bg1"/>
-                </a:solidFill>
-                <a:latin typeface="Lucida Console" panose="020B0609040504020204" pitchFamily="49" charset="0"/>
-              </a:rPr>
-              <a:t>make_docs.sh</a:t>
-            </a:r>
-            <a:r>
-              <a:rPr lang="en-US" sz="1800" dirty="0">
-                <a:solidFill>
-                  <a:schemeClr val="bg1"/>
-                </a:solidFill>
-                <a:latin typeface="Lucida Console" panose="020B0609040504020204" pitchFamily="49" charset="0"/>
-              </a:rPr>
-              <a:t> --verbose</a:t>
-            </a:r>
-          </a:p>
-        </p:txBody>
-      </p:sp>
-      <p:sp>
-        <p:nvSpPr>
-          <p:cNvPr id="5" name="TextBox 4">
-            <a:extLst>
-              <a:ext uri="{FF2B5EF4-FFF2-40B4-BE49-F238E27FC236}">
-                <a16:creationId xmlns:a16="http://schemas.microsoft.com/office/drawing/2014/main" id="{63AB806D-BF36-0344-BF39-97B92145D2EE}"/>
-              </a:ext>
-            </a:extLst>
-          </p:cNvPr>
-          <p:cNvSpPr txBox="1"/>
-          <p:nvPr/>
-        </p:nvSpPr>
-        <p:spPr>
-          <a:xfrm>
-            <a:off x="391219" y="5706845"/>
-            <a:ext cx="8494423" cy="646331"/>
-          </a:xfrm>
-          <a:prstGeom prst="rect">
-            <a:avLst/>
-          </a:prstGeom>
-          <a:solidFill>
-            <a:schemeClr val="bg1">
-              <a:lumMod val="50000"/>
-            </a:schemeClr>
-          </a:solidFill>
-        </p:spPr>
-        <p:txBody>
-          <a:bodyPr wrap="square" rtlCol="0">
-            <a:spAutoFit/>
-          </a:bodyPr>
-          <a:lstStyle/>
-          <a:p>
-            <a:pPr marL="0" indent="0">
-              <a:buNone/>
-            </a:pPr>
-            <a:r>
-              <a:rPr lang="en-US" sz="1800" dirty="0">
-                <a:latin typeface="Lucida Console" panose="020B0609040504020204" pitchFamily="49" charset="0"/>
-              </a:rPr>
-              <a:t>&gt;</a:t>
-            </a:r>
-            <a:r>
-              <a:rPr lang="en-US" sz="1800" dirty="0">
-                <a:solidFill>
-                  <a:schemeClr val="bg1"/>
-                </a:solidFill>
-                <a:latin typeface="Lucida Console" panose="020B0609040504020204" pitchFamily="49" charset="0"/>
-              </a:rPr>
-              <a:t> cd raven/doc/workshop/</a:t>
-            </a:r>
-            <a:r>
-              <a:rPr lang="en-US" sz="1800" dirty="0" err="1">
-                <a:solidFill>
-                  <a:schemeClr val="bg1"/>
-                </a:solidFill>
-                <a:latin typeface="Lucida Console" panose="020B0609040504020204" pitchFamily="49" charset="0"/>
-              </a:rPr>
-              <a:t>forwardSampling</a:t>
-            </a:r>
-            <a:r>
-              <a:rPr lang="en-US" sz="1800" dirty="0">
-                <a:solidFill>
-                  <a:schemeClr val="bg1"/>
-                </a:solidFill>
-                <a:latin typeface="Lucida Console" panose="020B0609040504020204" pitchFamily="49" charset="0"/>
-              </a:rPr>
-              <a:t>/exercises</a:t>
-            </a:r>
-          </a:p>
-          <a:p>
-            <a:pPr marL="0" indent="0">
-              <a:buNone/>
-            </a:pPr>
-            <a:r>
-              <a:rPr lang="en-US" sz="1800" dirty="0">
-                <a:latin typeface="Lucida Console" panose="020B0609040504020204" pitchFamily="49" charset="0"/>
-              </a:rPr>
-              <a:t>&gt;</a:t>
-            </a:r>
-            <a:r>
-              <a:rPr lang="en-US" sz="1800" dirty="0">
-                <a:solidFill>
-                  <a:schemeClr val="bg1"/>
-                </a:solidFill>
-                <a:latin typeface="Lucida Console" panose="020B0609040504020204" pitchFamily="49" charset="0"/>
-              </a:rPr>
-              <a:t> vim 2_normal_distribution.xml</a:t>
-            </a:r>
-          </a:p>
-        </p:txBody>
-      </p:sp>
-    </p:spTree>
-    <p:extLst>
-      <p:ext uri="{BB962C8B-B14F-4D97-AF65-F5344CB8AC3E}">
-        <p14:creationId xmlns:p14="http://schemas.microsoft.com/office/powerpoint/2010/main" val="630147916"/>
-      </p:ext>
-    </p:extLst>
-  </p:cSld>
-  <p:clrMapOvr>
-    <a:masterClrMapping/>
-  </p:clrMapOvr>
-</p:sld>
-</file>
-
-<file path=ppt/slides/slide14.xml><?xml version="1.0" encoding="utf-8"?>
-<p:sld xmlns:a="http://schemas.openxmlformats.org/drawingml/2006/main" xmlns:r="http://schemas.openxmlformats.org/officeDocument/2006/relationships" xmlns:p="http://schemas.openxmlformats.org/presentationml/2006/main">
-  <p:cSld>
-    <p:spTree>
-      <p:nvGrpSpPr>
-        <p:cNvPr id="1" name=""/>
-        <p:cNvGrpSpPr/>
-        <p:nvPr/>
-      </p:nvGrpSpPr>
-      <p:grpSpPr>
-        <a:xfrm>
-          <a:off x="0" y="0"/>
-          <a:ext cx="0" cy="0"/>
-          <a:chOff x="0" y="0"/>
-          <a:chExt cx="0" cy="0"/>
-        </a:xfrm>
-      </p:grpSpPr>
-      <p:pic>
-        <p:nvPicPr>
-          <p:cNvPr id="5" name="Picture 4">
-            <a:extLst>
-              <a:ext uri="{FF2B5EF4-FFF2-40B4-BE49-F238E27FC236}">
-                <a16:creationId xmlns:a16="http://schemas.microsoft.com/office/drawing/2014/main" id="{97807285-4CC4-9240-B4CD-663711EA15CA}"/>
-              </a:ext>
-            </a:extLst>
-          </p:cNvPr>
-          <p:cNvPicPr>
-            <a:picLocks noChangeAspect="1"/>
-          </p:cNvPicPr>
-          <p:nvPr/>
-        </p:nvPicPr>
-        <p:blipFill>
-          <a:blip r:embed="rId2">
-            <a:extLst>
-              <a:ext uri="{28A0092B-C50C-407E-A947-70E740481C1C}">
-                <a14:useLocalDpi xmlns:a14="http://schemas.microsoft.com/office/drawing/2010/main" val="0"/>
-              </a:ext>
-            </a:extLst>
-          </a:blip>
-          <a:stretch>
-            <a:fillRect/>
-          </a:stretch>
-        </p:blipFill>
-        <p:spPr>
-          <a:xfrm>
-            <a:off x="4801226" y="3047195"/>
-            <a:ext cx="2168046" cy="1627210"/>
-          </a:xfrm>
-          <a:prstGeom prst="rect">
-            <a:avLst/>
-          </a:prstGeom>
-        </p:spPr>
-      </p:pic>
-      <p:pic>
-        <p:nvPicPr>
-          <p:cNvPr id="7" name="Picture 6">
-            <a:extLst>
-              <a:ext uri="{FF2B5EF4-FFF2-40B4-BE49-F238E27FC236}">
-                <a16:creationId xmlns:a16="http://schemas.microsoft.com/office/drawing/2014/main" id="{EF0D2022-D284-3141-BC57-0656F9DB4AA8}"/>
-              </a:ext>
-            </a:extLst>
-          </p:cNvPr>
-          <p:cNvPicPr>
-            <a:picLocks noChangeAspect="1"/>
-          </p:cNvPicPr>
-          <p:nvPr/>
-        </p:nvPicPr>
-        <p:blipFill>
-          <a:blip r:embed="rId3">
-            <a:extLst>
-              <a:ext uri="{28A0092B-C50C-407E-A947-70E740481C1C}">
-                <a14:useLocalDpi xmlns:a14="http://schemas.microsoft.com/office/drawing/2010/main" val="0"/>
-              </a:ext>
-            </a:extLst>
-          </a:blip>
-          <a:stretch>
-            <a:fillRect/>
-          </a:stretch>
-        </p:blipFill>
-        <p:spPr>
-          <a:xfrm>
-            <a:off x="2124465" y="3047195"/>
-            <a:ext cx="2168046" cy="1627210"/>
-          </a:xfrm>
-          <a:prstGeom prst="rect">
-            <a:avLst/>
-          </a:prstGeom>
-        </p:spPr>
-      </p:pic>
-      <p:sp>
-        <p:nvSpPr>
-          <p:cNvPr id="2" name="Title 1">
-            <a:extLst>
-              <a:ext uri="{FF2B5EF4-FFF2-40B4-BE49-F238E27FC236}">
-                <a16:creationId xmlns:a16="http://schemas.microsoft.com/office/drawing/2014/main" id="{AA0793AB-4AE8-804D-9FD2-1F3D52CE72D1}"/>
-              </a:ext>
-            </a:extLst>
-          </p:cNvPr>
-          <p:cNvSpPr>
-            <a:spLocks noGrp="1"/>
-          </p:cNvSpPr>
-          <p:nvPr>
-            <p:ph type="title"/>
-          </p:nvPr>
-        </p:nvSpPr>
-        <p:spPr/>
-        <p:txBody>
-          <a:bodyPr/>
-          <a:lstStyle/>
-          <a:p>
-            <a:r>
-              <a:rPr lang="en-US" dirty="0"/>
-              <a:t>2) What if …</a:t>
-            </a:r>
-          </a:p>
-        </p:txBody>
-      </p:sp>
-      <p:sp>
-        <p:nvSpPr>
-          <p:cNvPr id="3" name="Content Placeholder 2">
-            <a:extLst>
-              <a:ext uri="{FF2B5EF4-FFF2-40B4-BE49-F238E27FC236}">
-                <a16:creationId xmlns:a16="http://schemas.microsoft.com/office/drawing/2014/main" id="{5F39F8EF-A587-404E-94DC-95AF9EC4A33E}"/>
-              </a:ext>
-            </a:extLst>
-          </p:cNvPr>
-          <p:cNvSpPr>
-            <a:spLocks noGrp="1"/>
-          </p:cNvSpPr>
-          <p:nvPr>
-            <p:ph idx="1"/>
-          </p:nvPr>
-        </p:nvSpPr>
-        <p:spPr>
-          <a:xfrm>
-            <a:off x="455613" y="1598613"/>
-            <a:ext cx="8231187" cy="4898779"/>
-          </a:xfrm>
-        </p:spPr>
-        <p:txBody>
-          <a:bodyPr/>
-          <a:lstStyle/>
-          <a:p>
-            <a:r>
-              <a:rPr lang="en-US" dirty="0"/>
-              <a:t>Say we want the velocity to be normally-distributed instead of uniform</a:t>
-            </a:r>
-          </a:p>
-          <a:p>
-            <a:r>
-              <a:rPr lang="en-US" dirty="0"/>
-              <a:t>Entities to change in input file:</a:t>
-            </a:r>
-          </a:p>
-          <a:p>
-            <a:pPr lvl="1"/>
-            <a:r>
-              <a:rPr lang="en-US" dirty="0"/>
-              <a:t>Distributions</a:t>
-            </a:r>
-          </a:p>
-          <a:p>
-            <a:pPr lvl="2"/>
-            <a:r>
-              <a:rPr lang="en-US" dirty="0"/>
-              <a:t>Change </a:t>
-            </a:r>
-            <a:r>
-              <a:rPr lang="en-US" b="1" dirty="0" err="1">
-                <a:solidFill>
-                  <a:schemeClr val="accent2"/>
-                </a:solidFill>
-              </a:rPr>
-              <a:t>vel_dist</a:t>
-            </a:r>
-            <a:r>
-              <a:rPr lang="en-US" b="1" dirty="0">
-                <a:solidFill>
-                  <a:schemeClr val="accent2"/>
-                </a:solidFill>
-              </a:rPr>
-              <a:t> </a:t>
-            </a:r>
-            <a:r>
-              <a:rPr lang="en-US" dirty="0"/>
-              <a:t>from Uniform to Normal</a:t>
-            </a:r>
-          </a:p>
-          <a:p>
-            <a:pPr lvl="2"/>
-            <a:r>
-              <a:rPr lang="en-US" dirty="0"/>
-              <a:t>I already commented out the Uniform code for you</a:t>
-            </a:r>
-          </a:p>
-          <a:p>
-            <a:pPr lvl="2"/>
-            <a:endParaRPr lang="en-US" dirty="0"/>
-          </a:p>
-          <a:p>
-            <a:pPr lvl="2"/>
-            <a:endParaRPr lang="en-US" dirty="0"/>
-          </a:p>
-          <a:p>
-            <a:pPr lvl="2"/>
-            <a:endParaRPr lang="en-US" dirty="0"/>
-          </a:p>
-          <a:p>
-            <a:pPr lvl="2"/>
-            <a:endParaRPr lang="en-US" dirty="0"/>
-          </a:p>
-          <a:p>
-            <a:pPr lvl="2"/>
-            <a:endParaRPr lang="en-US" dirty="0"/>
-          </a:p>
-          <a:p>
-            <a:r>
-              <a:rPr lang="en-US" dirty="0"/>
-              <a:t>RAVEN User Manual</a:t>
-            </a:r>
-          </a:p>
-          <a:p>
-            <a:pPr lvl="1"/>
-            <a:r>
-              <a:rPr lang="en-US" dirty="0"/>
-              <a:t>See section 11.1.1.8</a:t>
-            </a:r>
-          </a:p>
-          <a:p>
-            <a:pPr lvl="1"/>
-            <a:r>
-              <a:rPr lang="en-US" dirty="0"/>
-              <a:t>Use centerline of 30 and standard deviation of 5</a:t>
-            </a:r>
-          </a:p>
-          <a:p>
-            <a:endParaRPr lang="en-US" dirty="0"/>
-          </a:p>
-          <a:p>
-            <a:r>
-              <a:rPr lang="en-US" b="1" dirty="0">
-                <a:solidFill>
-                  <a:schemeClr val="accent1"/>
-                </a:solidFill>
-              </a:rPr>
-              <a:t>Run the case.</a:t>
-            </a:r>
-            <a:r>
-              <a:rPr lang="en-US" dirty="0"/>
-              <a:t>  What changed between the two plots?</a:t>
-            </a:r>
-          </a:p>
-        </p:txBody>
-      </p:sp>
-    </p:spTree>
-    <p:extLst>
-      <p:ext uri="{BB962C8B-B14F-4D97-AF65-F5344CB8AC3E}">
-        <p14:creationId xmlns:p14="http://schemas.microsoft.com/office/powerpoint/2010/main" val="154293833"/>
-      </p:ext>
-    </p:extLst>
-  </p:cSld>
-  <p:clrMapOvr>
-    <a:masterClrMapping/>
-  </p:clrMapOvr>
-</p:sld>
-</file>
-
-<file path=ppt/slides/slide15.xml><?xml version="1.0" encoding="utf-8"?>
-<p:sld xmlns:a="http://schemas.openxmlformats.org/drawingml/2006/main" xmlns:r="http://schemas.openxmlformats.org/officeDocument/2006/relationships" xmlns:p="http://schemas.openxmlformats.org/presentationml/2006/main">
-  <p:cSld>
-    <p:spTree>
-      <p:nvGrpSpPr>
-        <p:cNvPr id="1" name=""/>
-        <p:cNvGrpSpPr/>
-        <p:nvPr/>
-      </p:nvGrpSpPr>
-      <p:grpSpPr>
-        <a:xfrm>
-          <a:off x="0" y="0"/>
-          <a:ext cx="0" cy="0"/>
-          <a:chOff x="0" y="0"/>
-          <a:chExt cx="0" cy="0"/>
-        </a:xfrm>
-      </p:grpSpPr>
-      <p:sp>
-        <p:nvSpPr>
-          <p:cNvPr id="68612" name="Rectangle 4"/>
-          <p:cNvSpPr>
-            <a:spLocks noGrp="1" noChangeArrowheads="1"/>
-          </p:cNvSpPr>
-          <p:nvPr>
-            <p:ph type="ctrTitle"/>
-          </p:nvPr>
-        </p:nvSpPr>
-        <p:spPr>
-          <a:xfrm>
-            <a:off x="2892425" y="1717001"/>
-            <a:ext cx="5797550" cy="430887"/>
-          </a:xfrm>
-        </p:spPr>
-        <p:txBody>
-          <a:bodyPr/>
-          <a:lstStyle/>
-          <a:p>
-            <a:r>
-              <a:rPr lang="en-US" b="0" dirty="0"/>
-              <a:t>Exercise 3</a:t>
-            </a:r>
-          </a:p>
-        </p:txBody>
-      </p:sp>
-      <p:sp>
-        <p:nvSpPr>
-          <p:cNvPr id="68613" name="Rectangle 5"/>
-          <p:cNvSpPr>
-            <a:spLocks noGrp="1" noChangeArrowheads="1"/>
-          </p:cNvSpPr>
-          <p:nvPr>
-            <p:ph type="subTitle" idx="1"/>
-          </p:nvPr>
-        </p:nvSpPr>
-        <p:spPr>
-          <a:xfrm>
-            <a:off x="2914650" y="2514600"/>
-            <a:ext cx="5775325" cy="612775"/>
-          </a:xfrm>
-        </p:spPr>
-        <p:txBody>
-          <a:bodyPr/>
-          <a:lstStyle/>
-          <a:p>
-            <a:r>
-              <a:rPr lang="en-US" b="0" dirty="0"/>
-              <a:t>Changing Variables</a:t>
-            </a:r>
-          </a:p>
-        </p:txBody>
-      </p:sp>
-      <p:pic>
-        <p:nvPicPr>
-          <p:cNvPr id="6" name="Picture 6" descr="raven.gif"/>
-          <p:cNvPicPr>
-            <a:picLocks noChangeAspect="1"/>
-          </p:cNvPicPr>
-          <p:nvPr/>
-        </p:nvPicPr>
-        <p:blipFill>
-          <a:blip r:embed="rId2">
-            <a:alphaModFix amt="32000"/>
-          </a:blip>
-          <a:srcRect/>
-          <a:stretch>
-            <a:fillRect/>
-          </a:stretch>
-        </p:blipFill>
-        <p:spPr bwMode="auto">
-          <a:xfrm>
-            <a:off x="4098571" y="3875434"/>
-            <a:ext cx="2936052" cy="2202039"/>
-          </a:xfrm>
-          <a:prstGeom prst="rect">
-            <a:avLst/>
-          </a:prstGeom>
-          <a:noFill/>
-          <a:ln w="9525">
-            <a:noFill/>
-            <a:miter lim="800000"/>
-            <a:headEnd/>
-            <a:tailEnd/>
-          </a:ln>
-        </p:spPr>
-      </p:pic>
-    </p:spTree>
-    <p:extLst>
-      <p:ext uri="{BB962C8B-B14F-4D97-AF65-F5344CB8AC3E}">
-        <p14:creationId xmlns:p14="http://schemas.microsoft.com/office/powerpoint/2010/main" val="282593630"/>
-      </p:ext>
-    </p:extLst>
-  </p:cSld>
-  <p:clrMapOvr>
-    <a:masterClrMapping/>
-  </p:clrMapOvr>
-</p:sld>
-</file>
-
-<file path=ppt/slides/slide16.xml><?xml version="1.0" encoding="utf-8"?>
-<p:sld xmlns:a="http://schemas.openxmlformats.org/drawingml/2006/main" xmlns:r="http://schemas.openxmlformats.org/officeDocument/2006/relationships" xmlns:p="http://schemas.openxmlformats.org/presentationml/2006/main">
-  <p:cSld>
-    <p:spTree>
-      <p:nvGrpSpPr>
-        <p:cNvPr id="1" name=""/>
-        <p:cNvGrpSpPr/>
-        <p:nvPr/>
-      </p:nvGrpSpPr>
-      <p:grpSpPr>
-        <a:xfrm>
-          <a:off x="0" y="0"/>
-          <a:ext cx="0" cy="0"/>
-          <a:chOff x="0" y="0"/>
-          <a:chExt cx="0" cy="0"/>
-        </a:xfrm>
-      </p:grpSpPr>
-      <p:sp>
-        <p:nvSpPr>
-          <p:cNvPr id="2" name="Title 1">
-            <a:extLst>
-              <a:ext uri="{FF2B5EF4-FFF2-40B4-BE49-F238E27FC236}">
-                <a16:creationId xmlns:a16="http://schemas.microsoft.com/office/drawing/2014/main" id="{6CFE73B4-A998-1C41-B18E-D5A5FC19D5C1}"/>
-              </a:ext>
-            </a:extLst>
-          </p:cNvPr>
-          <p:cNvSpPr>
-            <a:spLocks noGrp="1"/>
-          </p:cNvSpPr>
-          <p:nvPr>
-            <p:ph type="title"/>
-          </p:nvPr>
-        </p:nvSpPr>
-        <p:spPr/>
-        <p:txBody>
-          <a:bodyPr/>
-          <a:lstStyle/>
-          <a:p>
-            <a:r>
-              <a:rPr lang="en-US" dirty="0"/>
-              <a:t>3) Changing the Variables</a:t>
-            </a:r>
-          </a:p>
-        </p:txBody>
-      </p:sp>
-      <p:sp>
-        <p:nvSpPr>
-          <p:cNvPr id="3" name="Content Placeholder 2">
-            <a:extLst>
-              <a:ext uri="{FF2B5EF4-FFF2-40B4-BE49-F238E27FC236}">
-                <a16:creationId xmlns:a16="http://schemas.microsoft.com/office/drawing/2014/main" id="{69B98CC8-17F2-0244-9C8C-816FE596FC02}"/>
-              </a:ext>
-            </a:extLst>
-          </p:cNvPr>
-          <p:cNvSpPr>
-            <a:spLocks noGrp="1"/>
-          </p:cNvSpPr>
-          <p:nvPr>
-            <p:ph idx="1"/>
-          </p:nvPr>
-        </p:nvSpPr>
-        <p:spPr/>
-        <p:txBody>
-          <a:bodyPr/>
-          <a:lstStyle/>
-          <a:p>
-            <a:r>
-              <a:rPr lang="en-US" dirty="0"/>
-              <a:t>What if I don’t care about launch velocity, and instead want to consider initial height?</a:t>
-            </a:r>
-          </a:p>
-          <a:p>
-            <a:endParaRPr lang="en-US" dirty="0"/>
-          </a:p>
-          <a:p>
-            <a:endParaRPr lang="en-US" dirty="0"/>
-          </a:p>
-          <a:p>
-            <a:endParaRPr lang="en-US" dirty="0"/>
-          </a:p>
-          <a:p>
-            <a:r>
-              <a:rPr lang="en-US" dirty="0"/>
-              <a:t>Entities to adjust:</a:t>
-            </a:r>
-          </a:p>
-          <a:p>
-            <a:pPr lvl="1"/>
-            <a:r>
-              <a:rPr lang="en-US" dirty="0"/>
-              <a:t>Change </a:t>
-            </a:r>
-            <a:r>
-              <a:rPr lang="en-US" dirty="0">
-                <a:solidFill>
-                  <a:schemeClr val="accent2"/>
-                </a:solidFill>
-              </a:rPr>
-              <a:t>v0</a:t>
-            </a:r>
-            <a:r>
-              <a:rPr lang="en-US" dirty="0"/>
-              <a:t> to </a:t>
-            </a:r>
-            <a:r>
-              <a:rPr lang="en-US" dirty="0">
-                <a:solidFill>
-                  <a:schemeClr val="accent2"/>
-                </a:solidFill>
-              </a:rPr>
-              <a:t>y0</a:t>
-            </a:r>
-            <a:r>
-              <a:rPr lang="en-US" dirty="0"/>
-              <a:t> in:</a:t>
-            </a:r>
-          </a:p>
-          <a:p>
-            <a:pPr lvl="2"/>
-            <a:r>
-              <a:rPr lang="en-US" dirty="0"/>
-              <a:t>Models</a:t>
-            </a:r>
-          </a:p>
-          <a:p>
-            <a:pPr lvl="2"/>
-            <a:r>
-              <a:rPr lang="en-US" dirty="0"/>
-              <a:t>Samplers</a:t>
-            </a:r>
-          </a:p>
-          <a:p>
-            <a:pPr lvl="3"/>
-            <a:r>
-              <a:rPr lang="en-US" dirty="0"/>
-              <a:t>Also change constant </a:t>
-            </a:r>
-            <a:r>
-              <a:rPr lang="en-US" dirty="0">
-                <a:solidFill>
-                  <a:schemeClr val="accent2"/>
-                </a:solidFill>
-              </a:rPr>
-              <a:t>y0</a:t>
-            </a:r>
-            <a:r>
-              <a:rPr lang="en-US" dirty="0"/>
-              <a:t> to </a:t>
-            </a:r>
-            <a:r>
-              <a:rPr lang="en-US" dirty="0">
-                <a:solidFill>
-                  <a:schemeClr val="accent2"/>
-                </a:solidFill>
-              </a:rPr>
-              <a:t>v0</a:t>
-            </a:r>
-            <a:r>
-              <a:rPr lang="en-US" dirty="0"/>
-              <a:t> with value of 30</a:t>
-            </a:r>
-          </a:p>
-          <a:p>
-            <a:pPr lvl="2"/>
-            <a:r>
-              <a:rPr lang="en-US" dirty="0"/>
-              <a:t>Distributions</a:t>
-            </a:r>
-          </a:p>
-          <a:p>
-            <a:pPr lvl="3"/>
-            <a:r>
-              <a:rPr lang="en-US" dirty="0"/>
-              <a:t>Also change the distribution </a:t>
-            </a:r>
-            <a:r>
-              <a:rPr lang="en-US" dirty="0">
-                <a:solidFill>
-                  <a:schemeClr val="accent2"/>
-                </a:solidFill>
-              </a:rPr>
-              <a:t>y0_dist </a:t>
-            </a:r>
-            <a:r>
-              <a:rPr lang="en-US" dirty="0"/>
-              <a:t>to Uniform, 0 to 1</a:t>
-            </a:r>
-          </a:p>
-          <a:p>
-            <a:pPr lvl="2"/>
-            <a:r>
-              <a:rPr lang="en-US" dirty="0" err="1"/>
-              <a:t>DataObjects</a:t>
-            </a:r>
-            <a:endParaRPr lang="en-US" dirty="0"/>
-          </a:p>
-          <a:p>
-            <a:pPr lvl="2"/>
-            <a:r>
-              <a:rPr lang="en-US" dirty="0" err="1"/>
-              <a:t>OutStreams</a:t>
-            </a:r>
-            <a:r>
-              <a:rPr lang="en-US" dirty="0"/>
-              <a:t> </a:t>
-            </a:r>
-            <a:r>
-              <a:rPr lang="en-US" dirty="0">
-                <a:sym typeface="Wingdings" pitchFamily="2" charset="2"/>
-              </a:rPr>
-              <a:t> Plot</a:t>
-            </a:r>
-            <a:endParaRPr lang="en-US" dirty="0"/>
-          </a:p>
-          <a:p>
-            <a:r>
-              <a:rPr lang="en-US" b="1" dirty="0">
-                <a:solidFill>
-                  <a:schemeClr val="accent1"/>
-                </a:solidFill>
-              </a:rPr>
-              <a:t>Run the case.</a:t>
-            </a:r>
-            <a:r>
-              <a:rPr lang="en-US" dirty="0"/>
-              <a:t>  Plot should have y0 instead of v0.</a:t>
-            </a:r>
-          </a:p>
-        </p:txBody>
-      </p:sp>
-      <p:sp>
-        <p:nvSpPr>
-          <p:cNvPr id="4" name="TextBox 3">
-            <a:extLst>
-              <a:ext uri="{FF2B5EF4-FFF2-40B4-BE49-F238E27FC236}">
-                <a16:creationId xmlns:a16="http://schemas.microsoft.com/office/drawing/2014/main" id="{C2BB0527-321B-4B44-B8A2-EE47C0031780}"/>
-              </a:ext>
-            </a:extLst>
-          </p:cNvPr>
-          <p:cNvSpPr txBox="1"/>
-          <p:nvPr/>
-        </p:nvSpPr>
-        <p:spPr>
-          <a:xfrm>
-            <a:off x="455613" y="2142027"/>
-            <a:ext cx="8494423" cy="1200329"/>
-          </a:xfrm>
-          <a:prstGeom prst="rect">
-            <a:avLst/>
-          </a:prstGeom>
-          <a:solidFill>
-            <a:schemeClr val="bg1">
-              <a:lumMod val="50000"/>
-            </a:schemeClr>
-          </a:solidFill>
-        </p:spPr>
-        <p:txBody>
-          <a:bodyPr wrap="square" rtlCol="0">
-            <a:spAutoFit/>
-          </a:bodyPr>
-          <a:lstStyle/>
-          <a:p>
-            <a:pPr marL="0" indent="0">
-              <a:buNone/>
-            </a:pPr>
-            <a:endParaRPr lang="en-US" sz="1800" dirty="0">
-              <a:latin typeface="Lucida Console" panose="020B0609040504020204" pitchFamily="49" charset="0"/>
-            </a:endParaRPr>
-          </a:p>
-          <a:p>
-            <a:pPr marL="0" indent="0">
-              <a:buNone/>
-            </a:pPr>
-            <a:r>
-              <a:rPr lang="en-US" sz="1800" dirty="0">
-                <a:latin typeface="Lucida Console" panose="020B0609040504020204" pitchFamily="49" charset="0"/>
-              </a:rPr>
-              <a:t>&gt;</a:t>
-            </a:r>
-            <a:r>
-              <a:rPr lang="en-US" sz="1800" dirty="0">
-                <a:solidFill>
-                  <a:schemeClr val="bg1"/>
-                </a:solidFill>
-                <a:latin typeface="Lucida Console" panose="020B0609040504020204" pitchFamily="49" charset="0"/>
-              </a:rPr>
-              <a:t> cd doc/workshop/</a:t>
-            </a:r>
-            <a:r>
-              <a:rPr lang="en-US" sz="1800" dirty="0" err="1">
-                <a:solidFill>
-                  <a:schemeClr val="bg1"/>
-                </a:solidFill>
-                <a:latin typeface="Lucida Console" panose="020B0609040504020204" pitchFamily="49" charset="0"/>
-              </a:rPr>
-              <a:t>forwardSampling</a:t>
-            </a:r>
-            <a:r>
-              <a:rPr lang="en-US" sz="1800" dirty="0">
-                <a:solidFill>
-                  <a:schemeClr val="bg1"/>
-                </a:solidFill>
-                <a:latin typeface="Lucida Console" panose="020B0609040504020204" pitchFamily="49" charset="0"/>
-              </a:rPr>
-              <a:t>/exercises</a:t>
-            </a:r>
-            <a:endParaRPr lang="en-US" sz="1800" dirty="0">
-              <a:latin typeface="Lucida Console" panose="020B0609040504020204" pitchFamily="49" charset="0"/>
-            </a:endParaRPr>
-          </a:p>
-          <a:p>
-            <a:pPr marL="0" indent="0">
-              <a:buNone/>
-            </a:pPr>
-            <a:r>
-              <a:rPr lang="en-US" sz="1800" dirty="0">
-                <a:latin typeface="Lucida Console" panose="020B0609040504020204" pitchFamily="49" charset="0"/>
-              </a:rPr>
-              <a:t>&gt; </a:t>
-            </a:r>
-            <a:r>
-              <a:rPr lang="en-US" sz="1800" dirty="0" err="1">
-                <a:solidFill>
-                  <a:schemeClr val="bg1"/>
-                </a:solidFill>
-                <a:latin typeface="Lucida Console" panose="020B0609040504020204" pitchFamily="49" charset="0"/>
-              </a:rPr>
-              <a:t>cp</a:t>
-            </a:r>
-            <a:r>
-              <a:rPr lang="en-US" sz="1800" dirty="0">
-                <a:solidFill>
-                  <a:schemeClr val="bg1"/>
-                </a:solidFill>
-                <a:latin typeface="Lucida Console" panose="020B0609040504020204" pitchFamily="49" charset="0"/>
-              </a:rPr>
-              <a:t> 2_normal_distribution.xml 3_initial_height.xml</a:t>
-            </a:r>
-          </a:p>
-          <a:p>
-            <a:pPr marL="0" indent="0">
-              <a:buNone/>
-            </a:pPr>
-            <a:endParaRPr lang="en-US" sz="1800" dirty="0">
-              <a:solidFill>
-                <a:schemeClr val="bg1"/>
-              </a:solidFill>
-              <a:latin typeface="Lucida Console" panose="020B0609040504020204" pitchFamily="49" charset="0"/>
-            </a:endParaRPr>
-          </a:p>
-        </p:txBody>
-      </p:sp>
-    </p:spTree>
-    <p:extLst>
-      <p:ext uri="{BB962C8B-B14F-4D97-AF65-F5344CB8AC3E}">
-        <p14:creationId xmlns:p14="http://schemas.microsoft.com/office/powerpoint/2010/main" val="992237526"/>
-      </p:ext>
-    </p:extLst>
-  </p:cSld>
-  <p:clrMapOvr>
-    <a:masterClrMapping/>
-  </p:clrMapOvr>
-</p:sld>
-</file>
-
-<file path=ppt/slides/slide17.xml><?xml version="1.0" encoding="utf-8"?>
-<p:sld xmlns:a="http://schemas.openxmlformats.org/drawingml/2006/main" xmlns:r="http://schemas.openxmlformats.org/officeDocument/2006/relationships" xmlns:p="http://schemas.openxmlformats.org/presentationml/2006/main">
-  <p:cSld>
-    <p:spTree>
-      <p:nvGrpSpPr>
-        <p:cNvPr id="1" name=""/>
-        <p:cNvGrpSpPr/>
-        <p:nvPr/>
-      </p:nvGrpSpPr>
-      <p:grpSpPr>
-        <a:xfrm>
-          <a:off x="0" y="0"/>
-          <a:ext cx="0" cy="0"/>
-          <a:chOff x="0" y="0"/>
-          <a:chExt cx="0" cy="0"/>
-        </a:xfrm>
-      </p:grpSpPr>
-      <p:sp>
-        <p:nvSpPr>
-          <p:cNvPr id="68612" name="Rectangle 4"/>
-          <p:cNvSpPr>
-            <a:spLocks noGrp="1" noChangeArrowheads="1"/>
-          </p:cNvSpPr>
-          <p:nvPr>
-            <p:ph type="ctrTitle"/>
-          </p:nvPr>
-        </p:nvSpPr>
-        <p:spPr>
-          <a:xfrm>
-            <a:off x="2892425" y="1717001"/>
-            <a:ext cx="5797550" cy="430887"/>
-          </a:xfrm>
-        </p:spPr>
-        <p:txBody>
-          <a:bodyPr/>
-          <a:lstStyle/>
-          <a:p>
-            <a:r>
-              <a:rPr lang="en-US" b="0" dirty="0"/>
-              <a:t>Exercise 4</a:t>
-            </a:r>
-          </a:p>
-        </p:txBody>
-      </p:sp>
-      <p:sp>
-        <p:nvSpPr>
-          <p:cNvPr id="68613" name="Rectangle 5"/>
-          <p:cNvSpPr>
-            <a:spLocks noGrp="1" noChangeArrowheads="1"/>
-          </p:cNvSpPr>
-          <p:nvPr>
-            <p:ph type="subTitle" idx="1"/>
-          </p:nvPr>
-        </p:nvSpPr>
-        <p:spPr>
-          <a:xfrm>
-            <a:off x="2914650" y="2514600"/>
-            <a:ext cx="5775325" cy="612775"/>
-          </a:xfrm>
-        </p:spPr>
-        <p:txBody>
-          <a:bodyPr/>
-          <a:lstStyle/>
-          <a:p>
-            <a:r>
-              <a:rPr lang="en-US" b="0" dirty="0"/>
-              <a:t>Changing Samplers</a:t>
-            </a:r>
-          </a:p>
-        </p:txBody>
-      </p:sp>
-      <p:pic>
-        <p:nvPicPr>
-          <p:cNvPr id="6" name="Picture 6" descr="raven.gif"/>
-          <p:cNvPicPr>
-            <a:picLocks noChangeAspect="1"/>
-          </p:cNvPicPr>
-          <p:nvPr/>
-        </p:nvPicPr>
-        <p:blipFill>
-          <a:blip r:embed="rId2">
-            <a:alphaModFix amt="32000"/>
-          </a:blip>
-          <a:srcRect/>
-          <a:stretch>
-            <a:fillRect/>
-          </a:stretch>
-        </p:blipFill>
-        <p:spPr bwMode="auto">
-          <a:xfrm>
-            <a:off x="4098571" y="3875434"/>
-            <a:ext cx="2936052" cy="2202039"/>
-          </a:xfrm>
-          <a:prstGeom prst="rect">
-            <a:avLst/>
-          </a:prstGeom>
-          <a:noFill/>
-          <a:ln w="9525">
-            <a:noFill/>
-            <a:miter lim="800000"/>
-            <a:headEnd/>
-            <a:tailEnd/>
-          </a:ln>
-        </p:spPr>
-      </p:pic>
-    </p:spTree>
-    <p:extLst>
-      <p:ext uri="{BB962C8B-B14F-4D97-AF65-F5344CB8AC3E}">
-        <p14:creationId xmlns:p14="http://schemas.microsoft.com/office/powerpoint/2010/main" val="478704983"/>
-      </p:ext>
-    </p:extLst>
-  </p:cSld>
-  <p:clrMapOvr>
-    <a:masterClrMapping/>
-  </p:clrMapOvr>
-</p:sld>
-</file>
-
-<file path=ppt/slides/slide18.xml><?xml version="1.0" encoding="utf-8"?>
-<p:sld xmlns:a="http://schemas.openxmlformats.org/drawingml/2006/main" xmlns:r="http://schemas.openxmlformats.org/officeDocument/2006/relationships" xmlns:p="http://schemas.openxmlformats.org/presentationml/2006/main">
-  <p:cSld>
-    <p:spTree>
-      <p:nvGrpSpPr>
-        <p:cNvPr id="1" name=""/>
-        <p:cNvGrpSpPr/>
-        <p:nvPr/>
-      </p:nvGrpSpPr>
-      <p:grpSpPr>
-        <a:xfrm>
-          <a:off x="0" y="0"/>
-          <a:ext cx="0" cy="0"/>
-          <a:chOff x="0" y="0"/>
-          <a:chExt cx="0" cy="0"/>
-        </a:xfrm>
-      </p:grpSpPr>
-      <p:sp>
-        <p:nvSpPr>
-          <p:cNvPr id="2" name="Title 1">
-            <a:extLst>
-              <a:ext uri="{FF2B5EF4-FFF2-40B4-BE49-F238E27FC236}">
-                <a16:creationId xmlns:a16="http://schemas.microsoft.com/office/drawing/2014/main" id="{6CFE73B4-A998-1C41-B18E-D5A5FC19D5C1}"/>
-              </a:ext>
-            </a:extLst>
-          </p:cNvPr>
-          <p:cNvSpPr>
-            <a:spLocks noGrp="1"/>
-          </p:cNvSpPr>
-          <p:nvPr>
-            <p:ph type="title"/>
-          </p:nvPr>
-        </p:nvSpPr>
-        <p:spPr/>
-        <p:txBody>
-          <a:bodyPr/>
-          <a:lstStyle/>
-          <a:p>
-            <a:r>
-              <a:rPr lang="en-US" dirty="0"/>
-              <a:t>4) Changing Samplers</a:t>
-            </a:r>
-          </a:p>
-        </p:txBody>
-      </p:sp>
-      <p:sp>
-        <p:nvSpPr>
-          <p:cNvPr id="3" name="Content Placeholder 2">
-            <a:extLst>
-              <a:ext uri="{FF2B5EF4-FFF2-40B4-BE49-F238E27FC236}">
-                <a16:creationId xmlns:a16="http://schemas.microsoft.com/office/drawing/2014/main" id="{69B98CC8-17F2-0244-9C8C-816FE596FC02}"/>
-              </a:ext>
-            </a:extLst>
-          </p:cNvPr>
-          <p:cNvSpPr>
-            <a:spLocks noGrp="1"/>
-          </p:cNvSpPr>
-          <p:nvPr>
-            <p:ph idx="1"/>
-          </p:nvPr>
-        </p:nvSpPr>
-        <p:spPr/>
-        <p:txBody>
-          <a:bodyPr/>
-          <a:lstStyle/>
-          <a:p>
-            <a:r>
-              <a:rPr lang="en-US" dirty="0"/>
-              <a:t>So far we’ve used the Monte Carlo sampler</a:t>
-            </a:r>
-          </a:p>
-          <a:p>
-            <a:pPr lvl="1"/>
-            <a:r>
-              <a:rPr lang="en-US" dirty="0"/>
-              <a:t>Samples randomly each time from variable distributions</a:t>
-            </a:r>
-          </a:p>
-          <a:p>
-            <a:r>
-              <a:rPr lang="en-US" dirty="0"/>
-              <a:t>Many other sampling strategies exist.  For example:</a:t>
-            </a:r>
-          </a:p>
-          <a:p>
-            <a:pPr lvl="1"/>
-            <a:r>
-              <a:rPr lang="en-US" dirty="0"/>
-              <a:t>Grid</a:t>
-            </a:r>
-          </a:p>
-          <a:p>
-            <a:pPr lvl="2"/>
-            <a:r>
-              <a:rPr lang="en-US" dirty="0"/>
-              <a:t>Takes uniformly-spaced samples across variable’s domain</a:t>
-            </a:r>
-          </a:p>
-          <a:p>
-            <a:pPr lvl="2"/>
-            <a:r>
-              <a:rPr lang="en-US" dirty="0"/>
-              <a:t>Samples uniformly in:</a:t>
-            </a:r>
-          </a:p>
-          <a:p>
-            <a:pPr lvl="3"/>
-            <a:r>
-              <a:rPr lang="en-US" dirty="0"/>
-              <a:t>Value space</a:t>
-            </a:r>
-          </a:p>
-          <a:p>
-            <a:pPr lvl="3"/>
-            <a:r>
-              <a:rPr lang="en-US" dirty="0"/>
-              <a:t>Probability space</a:t>
-            </a:r>
-          </a:p>
-          <a:p>
-            <a:r>
-              <a:rPr lang="en-US" dirty="0"/>
-              <a:t>Copy exercise 3, add a </a:t>
-            </a:r>
-            <a:r>
-              <a:rPr lang="en-US" b="1" dirty="0">
-                <a:solidFill>
-                  <a:schemeClr val="accent2"/>
-                </a:solidFill>
-              </a:rPr>
-              <a:t>Grid</a:t>
-            </a:r>
-            <a:r>
-              <a:rPr lang="en-US" dirty="0"/>
-              <a:t> sampler</a:t>
-            </a:r>
-          </a:p>
-          <a:p>
-            <a:r>
-              <a:rPr lang="en-US" dirty="0"/>
-              <a:t>change Steps to use Grid sampler you make</a:t>
-            </a:r>
-          </a:p>
-          <a:p>
-            <a:pPr lvl="1"/>
-            <a:r>
-              <a:rPr lang="en-US" dirty="0"/>
-              <a:t>Don’t remove the Monte Carlo sampler!</a:t>
-            </a:r>
-          </a:p>
-          <a:p>
-            <a:pPr lvl="1"/>
-            <a:r>
-              <a:rPr lang="en-US" dirty="0"/>
-              <a:t>See user manual section 12.1.2</a:t>
-            </a:r>
-          </a:p>
-          <a:p>
-            <a:pPr lvl="1"/>
-            <a:r>
-              <a:rPr lang="en-US" dirty="0"/>
-              <a:t>Don’t forget the </a:t>
-            </a:r>
-            <a:r>
-              <a:rPr lang="en-US" dirty="0">
-                <a:solidFill>
-                  <a:schemeClr val="accent2"/>
-                </a:solidFill>
-              </a:rPr>
-              <a:t>&lt;grid&gt; </a:t>
-            </a:r>
-            <a:r>
-              <a:rPr lang="en-US" dirty="0"/>
-              <a:t>nodes, also remove </a:t>
-            </a:r>
-            <a:r>
-              <a:rPr lang="en-US" dirty="0" err="1"/>
-              <a:t>samplerInit</a:t>
-            </a:r>
-            <a:r>
-              <a:rPr lang="en-US" dirty="0"/>
-              <a:t> node </a:t>
-            </a:r>
-          </a:p>
-          <a:p>
-            <a:pPr lvl="1"/>
-            <a:r>
-              <a:rPr lang="en-US" dirty="0"/>
-              <a:t>Choose how you want to space samples (try a couple options!)</a:t>
-            </a:r>
-          </a:p>
-          <a:p>
-            <a:r>
-              <a:rPr lang="en-US" b="1" dirty="0">
-                <a:solidFill>
-                  <a:schemeClr val="accent1"/>
-                </a:solidFill>
-              </a:rPr>
-              <a:t>Run the case.</a:t>
-            </a:r>
-            <a:r>
-              <a:rPr lang="en-US" dirty="0"/>
-              <a:t>  How are the samples dispersed differently?</a:t>
-            </a:r>
-          </a:p>
-        </p:txBody>
-      </p:sp>
-    </p:spTree>
-    <p:extLst>
-      <p:ext uri="{BB962C8B-B14F-4D97-AF65-F5344CB8AC3E}">
-        <p14:creationId xmlns:p14="http://schemas.microsoft.com/office/powerpoint/2010/main" val="1880553448"/>
-      </p:ext>
-    </p:extLst>
-  </p:cSld>
-  <p:clrMapOvr>
-    <a:masterClrMapping/>
-  </p:clrMapOvr>
-</p:sld>
-</file>
-
-<file path=ppt/slides/slide19.xml><?xml version="1.0" encoding="utf-8"?>
-<p:sld xmlns:a="http://schemas.openxmlformats.org/drawingml/2006/main" xmlns:r="http://schemas.openxmlformats.org/officeDocument/2006/relationships" xmlns:p="http://schemas.openxmlformats.org/presentationml/2006/main">
-  <p:cSld>
-    <p:spTree>
-      <p:nvGrpSpPr>
-        <p:cNvPr id="1" name=""/>
-        <p:cNvGrpSpPr/>
-        <p:nvPr/>
-      </p:nvGrpSpPr>
-      <p:grpSpPr>
-        <a:xfrm>
-          <a:off x="0" y="0"/>
-          <a:ext cx="0" cy="0"/>
-          <a:chOff x="0" y="0"/>
-          <a:chExt cx="0" cy="0"/>
-        </a:xfrm>
-      </p:grpSpPr>
-      <p:sp>
-        <p:nvSpPr>
-          <p:cNvPr id="68612" name="Rectangle 4"/>
-          <p:cNvSpPr>
-            <a:spLocks noGrp="1" noChangeArrowheads="1"/>
-          </p:cNvSpPr>
-          <p:nvPr>
-            <p:ph type="ctrTitle"/>
-          </p:nvPr>
-        </p:nvSpPr>
-        <p:spPr>
-          <a:xfrm>
-            <a:off x="2892425" y="1717001"/>
-            <a:ext cx="5797550" cy="430887"/>
-          </a:xfrm>
-        </p:spPr>
-        <p:txBody>
-          <a:bodyPr/>
-          <a:lstStyle/>
-          <a:p>
-            <a:r>
-              <a:rPr lang="en-US" b="0" dirty="0"/>
-              <a:t>Exercise 5</a:t>
-            </a:r>
-          </a:p>
-        </p:txBody>
-      </p:sp>
-      <p:sp>
-        <p:nvSpPr>
-          <p:cNvPr id="68613" name="Rectangle 5"/>
-          <p:cNvSpPr>
-            <a:spLocks noGrp="1" noChangeArrowheads="1"/>
-          </p:cNvSpPr>
-          <p:nvPr>
-            <p:ph type="subTitle" idx="1"/>
-          </p:nvPr>
-        </p:nvSpPr>
-        <p:spPr>
-          <a:xfrm>
-            <a:off x="2914650" y="2514600"/>
-            <a:ext cx="5775325" cy="612775"/>
-          </a:xfrm>
-        </p:spPr>
-        <p:txBody>
-          <a:bodyPr/>
-          <a:lstStyle/>
-          <a:p>
-            <a:r>
-              <a:rPr lang="en-US" b="0" dirty="0"/>
-              <a:t>Computing Simple Statistics</a:t>
-            </a:r>
-          </a:p>
-        </p:txBody>
-      </p:sp>
-      <p:pic>
-        <p:nvPicPr>
-          <p:cNvPr id="6" name="Picture 6" descr="raven.gif"/>
-          <p:cNvPicPr>
-            <a:picLocks noChangeAspect="1"/>
-          </p:cNvPicPr>
-          <p:nvPr/>
-        </p:nvPicPr>
-        <p:blipFill>
-          <a:blip r:embed="rId2">
-            <a:alphaModFix amt="32000"/>
-          </a:blip>
-          <a:srcRect/>
-          <a:stretch>
-            <a:fillRect/>
-          </a:stretch>
-        </p:blipFill>
-        <p:spPr bwMode="auto">
-          <a:xfrm>
-            <a:off x="4098571" y="3875434"/>
-            <a:ext cx="2936052" cy="2202039"/>
-          </a:xfrm>
-          <a:prstGeom prst="rect">
-            <a:avLst/>
-          </a:prstGeom>
-          <a:noFill/>
-          <a:ln w="9525">
-            <a:noFill/>
-            <a:miter lim="800000"/>
-            <a:headEnd/>
-            <a:tailEnd/>
-          </a:ln>
-        </p:spPr>
-      </p:pic>
-    </p:spTree>
-    <p:extLst>
-      <p:ext uri="{BB962C8B-B14F-4D97-AF65-F5344CB8AC3E}">
-        <p14:creationId xmlns:p14="http://schemas.microsoft.com/office/powerpoint/2010/main" val="826786690"/>
-      </p:ext>
-    </p:extLst>
-  </p:cSld>
-  <p:clrMapOvr>
-    <a:masterClrMapping/>
-  </p:clrMapOvr>
-</p:sld>
-</file>
-
 <file path=ppt/slides/slide2.xml><?xml version="1.0" encoding="utf-8"?>
-<p:sld xmlns:a="http://schemas.openxmlformats.org/drawingml/2006/main" xmlns:r="http://schemas.openxmlformats.org/officeDocument/2006/relationships" xmlns:p="http://schemas.openxmlformats.org/presentationml/2006/main">
-  <p:cSld>
-    <p:spTree>
-      <p:nvGrpSpPr>
-        <p:cNvPr id="1" name=""/>
-        <p:cNvGrpSpPr/>
-        <p:nvPr/>
-      </p:nvGrpSpPr>
-      <p:grpSpPr>
-        <a:xfrm>
-          <a:off x="0" y="0"/>
-          <a:ext cx="0" cy="0"/>
-          <a:chOff x="0" y="0"/>
-          <a:chExt cx="0" cy="0"/>
-        </a:xfrm>
-      </p:grpSpPr>
-      <p:sp>
-        <p:nvSpPr>
-          <p:cNvPr id="70658" name="Rectangle 2"/>
-          <p:cNvSpPr>
-            <a:spLocks noGrp="1" noChangeArrowheads="1"/>
-          </p:cNvSpPr>
-          <p:nvPr>
-            <p:ph type="title"/>
-          </p:nvPr>
-        </p:nvSpPr>
-        <p:spPr>
-          <a:xfrm>
-            <a:off x="455613" y="1004888"/>
-            <a:ext cx="8231187" cy="377026"/>
-          </a:xfrm>
-        </p:spPr>
-        <p:txBody>
-          <a:bodyPr/>
-          <a:lstStyle/>
-          <a:p>
-            <a:r>
-              <a:rPr lang="en-US" b="0" dirty="0"/>
-              <a:t>Objectives</a:t>
-            </a:r>
-          </a:p>
-        </p:txBody>
-      </p:sp>
-      <p:sp>
-        <p:nvSpPr>
-          <p:cNvPr id="70659" name="Rectangle 3"/>
-          <p:cNvSpPr>
-            <a:spLocks noGrp="1" noChangeArrowheads="1"/>
-          </p:cNvSpPr>
-          <p:nvPr>
-            <p:ph type="body" idx="1"/>
-          </p:nvPr>
-        </p:nvSpPr>
-        <p:spPr/>
-        <p:txBody>
-          <a:bodyPr/>
-          <a:lstStyle/>
-          <a:p>
-            <a:r>
-              <a:rPr lang="en-US" dirty="0"/>
-              <a:t>Run and Write your first RAVEN input files</a:t>
-            </a:r>
-          </a:p>
-          <a:p>
-            <a:endParaRPr lang="en-US" dirty="0"/>
-          </a:p>
-          <a:p>
-            <a:r>
-              <a:rPr lang="en-US" dirty="0"/>
-              <a:t>Understand </a:t>
-            </a:r>
-            <a:r>
-              <a:rPr lang="en-US" i="1" dirty="0">
-                <a:solidFill>
-                  <a:schemeClr val="accent2"/>
-                </a:solidFill>
-              </a:rPr>
-              <a:t>Entities</a:t>
-            </a:r>
-            <a:r>
-              <a:rPr lang="en-US" dirty="0"/>
-              <a:t> in RAVEN inputs</a:t>
-            </a:r>
-          </a:p>
-          <a:p>
-            <a:endParaRPr lang="en-US" dirty="0"/>
-          </a:p>
-          <a:p>
-            <a:r>
-              <a:rPr lang="en-US" dirty="0"/>
-              <a:t>Understand how </a:t>
-            </a:r>
-            <a:r>
-              <a:rPr lang="en-US" i="1" dirty="0">
-                <a:solidFill>
-                  <a:schemeClr val="accent2"/>
-                </a:solidFill>
-              </a:rPr>
-              <a:t>Steps</a:t>
-            </a:r>
-            <a:r>
-              <a:rPr lang="en-US" dirty="0"/>
-              <a:t> govern the RAVEN workflow</a:t>
-            </a:r>
-          </a:p>
-          <a:p>
-            <a:endParaRPr lang="en-US" dirty="0"/>
-          </a:p>
-          <a:p>
-            <a:r>
-              <a:rPr lang="en-US" dirty="0"/>
-              <a:t>See how RAVEN uses </a:t>
-            </a:r>
-            <a:r>
-              <a:rPr lang="en-US" i="1" dirty="0">
-                <a:solidFill>
-                  <a:schemeClr val="accent2"/>
-                </a:solidFill>
-              </a:rPr>
-              <a:t>Samplers</a:t>
-            </a:r>
-            <a:r>
-              <a:rPr lang="en-US" dirty="0"/>
-              <a:t> to collect data</a:t>
-            </a:r>
-          </a:p>
-          <a:p>
-            <a:endParaRPr lang="en-US" dirty="0"/>
-          </a:p>
-          <a:p>
-            <a:r>
-              <a:rPr lang="en-US" dirty="0"/>
-              <a:t>Use RAVEN to perform statistical analysis</a:t>
-            </a:r>
-          </a:p>
-          <a:p>
-            <a:endParaRPr lang="en-US" dirty="0"/>
-          </a:p>
-          <a:p>
-            <a:r>
-              <a:rPr lang="en-US" dirty="0"/>
-              <a:t>Learn how to visualize output</a:t>
-            </a:r>
-          </a:p>
-          <a:p>
-            <a:endParaRPr lang="en-US" dirty="0"/>
-          </a:p>
-          <a:p>
-            <a:endParaRPr lang="en-US" dirty="0"/>
-          </a:p>
-          <a:p>
-            <a:endParaRPr lang="en-US" dirty="0"/>
-          </a:p>
-          <a:p>
-            <a:endParaRPr lang="en-US" dirty="0"/>
-          </a:p>
-        </p:txBody>
-      </p:sp>
-    </p:spTree>
-  </p:cSld>
-  <p:clrMapOvr>
-    <a:masterClrMapping/>
-  </p:clrMapOvr>
-</p:sld>
-</file>
-
-<file path=ppt/slides/slide20.xml><?xml version="1.0" encoding="utf-8"?>
-<p:sld xmlns:a="http://schemas.openxmlformats.org/drawingml/2006/main" xmlns:r="http://schemas.openxmlformats.org/officeDocument/2006/relationships" xmlns:p="http://schemas.openxmlformats.org/presentationml/2006/main">
-  <p:cSld>
-    <p:spTree>
-      <p:nvGrpSpPr>
-        <p:cNvPr id="1" name=""/>
-        <p:cNvGrpSpPr/>
-        <p:nvPr/>
-      </p:nvGrpSpPr>
-      <p:grpSpPr>
-        <a:xfrm>
-          <a:off x="0" y="0"/>
-          <a:ext cx="0" cy="0"/>
-          <a:chOff x="0" y="0"/>
-          <a:chExt cx="0" cy="0"/>
-        </a:xfrm>
-      </p:grpSpPr>
-      <p:sp>
-        <p:nvSpPr>
-          <p:cNvPr id="2" name="Title 1">
-            <a:extLst>
-              <a:ext uri="{FF2B5EF4-FFF2-40B4-BE49-F238E27FC236}">
-                <a16:creationId xmlns:a16="http://schemas.microsoft.com/office/drawing/2014/main" id="{31790845-F67D-AF4F-8F84-73CBC58AA2A9}"/>
-              </a:ext>
-            </a:extLst>
-          </p:cNvPr>
-          <p:cNvSpPr>
-            <a:spLocks noGrp="1"/>
-          </p:cNvSpPr>
-          <p:nvPr>
-            <p:ph type="title"/>
-          </p:nvPr>
-        </p:nvSpPr>
-        <p:spPr/>
-        <p:txBody>
-          <a:bodyPr/>
-          <a:lstStyle/>
-          <a:p>
-            <a:r>
-              <a:rPr lang="en-US" dirty="0"/>
-              <a:t>Statistical Analysis</a:t>
-            </a:r>
-          </a:p>
-        </p:txBody>
-      </p:sp>
-      <p:sp>
-        <p:nvSpPr>
-          <p:cNvPr id="3" name="Content Placeholder 2">
-            <a:extLst>
-              <a:ext uri="{FF2B5EF4-FFF2-40B4-BE49-F238E27FC236}">
-                <a16:creationId xmlns:a16="http://schemas.microsoft.com/office/drawing/2014/main" id="{542141AB-B886-B943-839A-96F6DFDE012E}"/>
-              </a:ext>
-            </a:extLst>
-          </p:cNvPr>
-          <p:cNvSpPr>
-            <a:spLocks noGrp="1"/>
-          </p:cNvSpPr>
-          <p:nvPr>
-            <p:ph idx="1"/>
-          </p:nvPr>
-        </p:nvSpPr>
-        <p:spPr/>
-        <p:txBody>
-          <a:bodyPr/>
-          <a:lstStyle/>
-          <a:p>
-            <a:r>
-              <a:rPr lang="en-US" dirty="0"/>
-              <a:t>Looking at plots is great</a:t>
-            </a:r>
-          </a:p>
-          <a:p>
-            <a:r>
-              <a:rPr lang="en-US" dirty="0"/>
-              <a:t>Let’s quantify data instead</a:t>
-            </a:r>
-          </a:p>
-          <a:p>
-            <a:endParaRPr lang="en-US" dirty="0"/>
-          </a:p>
-          <a:p>
-            <a:r>
-              <a:rPr lang="en-US" dirty="0"/>
-              <a:t>New model: </a:t>
-            </a:r>
-            <a:r>
-              <a:rPr lang="en-US" dirty="0" err="1"/>
-              <a:t>BasicStatistics</a:t>
-            </a:r>
-            <a:r>
-              <a:rPr lang="en-US" dirty="0"/>
-              <a:t> </a:t>
-            </a:r>
-            <a:r>
-              <a:rPr lang="en-US" dirty="0" err="1"/>
-              <a:t>PostProcessor</a:t>
-            </a:r>
-            <a:endParaRPr lang="en-US" dirty="0"/>
-          </a:p>
-          <a:p>
-            <a:pPr lvl="1"/>
-            <a:r>
-              <a:rPr lang="en-US" dirty="0"/>
-              <a:t>Calculates statistics</a:t>
-            </a:r>
-          </a:p>
-          <a:p>
-            <a:pPr lvl="2"/>
-            <a:r>
-              <a:rPr lang="en-US" dirty="0"/>
-              <a:t>Mean, standard deviation, variance, skewness, kurtosis</a:t>
-            </a:r>
-          </a:p>
-          <a:p>
-            <a:pPr lvl="2"/>
-            <a:r>
-              <a:rPr lang="en-US" dirty="0"/>
-              <a:t>Percentiles, minimum, maximum</a:t>
-            </a:r>
-          </a:p>
-          <a:p>
-            <a:pPr lvl="1"/>
-            <a:r>
-              <a:rPr lang="en-US" dirty="0"/>
-              <a:t>Calculation sensitivities and relationships</a:t>
-            </a:r>
-          </a:p>
-          <a:p>
-            <a:pPr lvl="2"/>
-            <a:r>
-              <a:rPr lang="en-US" dirty="0"/>
-              <a:t>Sensitivity</a:t>
-            </a:r>
-          </a:p>
-          <a:p>
-            <a:pPr lvl="2"/>
-            <a:r>
-              <a:rPr lang="en-US" dirty="0"/>
-              <a:t>Covariance</a:t>
-            </a:r>
-          </a:p>
-          <a:p>
-            <a:pPr lvl="2"/>
-            <a:r>
-              <a:rPr lang="en-US" dirty="0"/>
-              <a:t>Pearson correlation</a:t>
-            </a:r>
-          </a:p>
-          <a:p>
-            <a:pPr lvl="2"/>
-            <a:endParaRPr lang="en-US" dirty="0"/>
-          </a:p>
-        </p:txBody>
-      </p:sp>
-    </p:spTree>
-    <p:extLst>
-      <p:ext uri="{BB962C8B-B14F-4D97-AF65-F5344CB8AC3E}">
-        <p14:creationId xmlns:p14="http://schemas.microsoft.com/office/powerpoint/2010/main" val="3167714483"/>
-      </p:ext>
-    </p:extLst>
-  </p:cSld>
-  <p:clrMapOvr>
-    <a:masterClrMapping/>
-  </p:clrMapOvr>
-</p:sld>
-</file>
-
-<file path=ppt/slides/slide21.xml><?xml version="1.0" encoding="utf-8"?>
-<p:sld xmlns:a="http://schemas.openxmlformats.org/drawingml/2006/main" xmlns:r="http://schemas.openxmlformats.org/officeDocument/2006/relationships" xmlns:p="http://schemas.openxmlformats.org/presentationml/2006/main">
-  <p:cSld>
-    <p:spTree>
-      <p:nvGrpSpPr>
-        <p:cNvPr id="1" name=""/>
-        <p:cNvGrpSpPr/>
-        <p:nvPr/>
-      </p:nvGrpSpPr>
-      <p:grpSpPr>
-        <a:xfrm>
-          <a:off x="0" y="0"/>
-          <a:ext cx="0" cy="0"/>
-          <a:chOff x="0" y="0"/>
-          <a:chExt cx="0" cy="0"/>
-        </a:xfrm>
-      </p:grpSpPr>
-      <p:sp>
-        <p:nvSpPr>
-          <p:cNvPr id="2" name="Title 1">
-            <a:extLst>
-              <a:ext uri="{FF2B5EF4-FFF2-40B4-BE49-F238E27FC236}">
-                <a16:creationId xmlns:a16="http://schemas.microsoft.com/office/drawing/2014/main" id="{73FFE82A-22A1-2342-AF75-D43BF35B3B56}"/>
-              </a:ext>
-            </a:extLst>
-          </p:cNvPr>
-          <p:cNvSpPr>
-            <a:spLocks noGrp="1"/>
-          </p:cNvSpPr>
-          <p:nvPr>
-            <p:ph type="title"/>
-          </p:nvPr>
-        </p:nvSpPr>
-        <p:spPr/>
-        <p:txBody>
-          <a:bodyPr/>
-          <a:lstStyle/>
-          <a:p>
-            <a:r>
-              <a:rPr lang="en-US" dirty="0"/>
-              <a:t>Basic Statistics in RAVEN</a:t>
-            </a:r>
-          </a:p>
-        </p:txBody>
-      </p:sp>
-      <p:sp>
-        <p:nvSpPr>
-          <p:cNvPr id="3" name="Content Placeholder 2">
-            <a:extLst>
-              <a:ext uri="{FF2B5EF4-FFF2-40B4-BE49-F238E27FC236}">
-                <a16:creationId xmlns:a16="http://schemas.microsoft.com/office/drawing/2014/main" id="{B1B61943-0766-7E4E-B1E5-2736FBA0D367}"/>
-              </a:ext>
-            </a:extLst>
-          </p:cNvPr>
-          <p:cNvSpPr>
-            <a:spLocks noGrp="1"/>
-          </p:cNvSpPr>
-          <p:nvPr>
-            <p:ph idx="1"/>
-          </p:nvPr>
-        </p:nvSpPr>
-        <p:spPr/>
-        <p:txBody>
-          <a:bodyPr/>
-          <a:lstStyle/>
-          <a:p>
-            <a:r>
-              <a:rPr lang="en-US" dirty="0"/>
-              <a:t>Results of statistics are stored in a </a:t>
-            </a:r>
-            <a:r>
-              <a:rPr lang="en-US" dirty="0" err="1"/>
-              <a:t>DataObject</a:t>
-            </a:r>
-            <a:endParaRPr lang="en-US" dirty="0"/>
-          </a:p>
-          <a:p>
-            <a:r>
-              <a:rPr lang="en-US" dirty="0"/>
-              <a:t>Names of statistics are:</a:t>
-            </a:r>
-          </a:p>
-          <a:p>
-            <a:pPr lvl="1"/>
-            <a:r>
-              <a:rPr lang="en-US" dirty="0" err="1"/>
-              <a:t>metric_variable</a:t>
-            </a:r>
-            <a:endParaRPr lang="en-US" dirty="0"/>
-          </a:p>
-          <a:p>
-            <a:pPr lvl="2"/>
-            <a:r>
-              <a:rPr lang="en-US" dirty="0" err="1"/>
-              <a:t>variance_r</a:t>
-            </a:r>
-            <a:endParaRPr lang="en-US" dirty="0"/>
-          </a:p>
-          <a:p>
-            <a:pPr lvl="1"/>
-            <a:r>
-              <a:rPr lang="en-US" dirty="0" err="1"/>
-              <a:t>relation_variable_variable</a:t>
-            </a:r>
-            <a:endParaRPr lang="en-US" dirty="0"/>
-          </a:p>
-          <a:p>
-            <a:pPr lvl="2"/>
-            <a:r>
-              <a:rPr lang="en-US" dirty="0"/>
-              <a:t>covariance_y0_ang</a:t>
-            </a:r>
-          </a:p>
-          <a:p>
-            <a:pPr lvl="1"/>
-            <a:r>
-              <a:rPr lang="en-US" dirty="0"/>
-              <a:t>prefixes can be manually set</a:t>
-            </a:r>
-          </a:p>
-          <a:p>
-            <a:pPr lvl="2"/>
-            <a:r>
-              <a:rPr lang="en-US" dirty="0" err="1"/>
-              <a:t>expectedValue_t</a:t>
-            </a:r>
-            <a:endParaRPr lang="en-US" dirty="0"/>
-          </a:p>
-          <a:p>
-            <a:pPr lvl="2"/>
-            <a:r>
-              <a:rPr lang="en-US" dirty="0" err="1"/>
-              <a:t>mean_t</a:t>
-            </a:r>
-            <a:endParaRPr lang="en-US" dirty="0"/>
-          </a:p>
-          <a:p>
-            <a:pPr lvl="2"/>
-            <a:r>
-              <a:rPr lang="en-US" dirty="0" err="1"/>
-              <a:t>expv_t</a:t>
-            </a:r>
-            <a:endParaRPr lang="en-US" dirty="0"/>
-          </a:p>
-          <a:p>
-            <a:pPr lvl="2"/>
-            <a:endParaRPr lang="en-US" dirty="0"/>
-          </a:p>
-          <a:p>
-            <a:r>
-              <a:rPr lang="en-US" dirty="0"/>
-              <a:t>Relationships can be between any two variables</a:t>
-            </a:r>
-          </a:p>
-          <a:p>
-            <a:pPr lvl="1"/>
-            <a:r>
-              <a:rPr lang="en-US" dirty="0"/>
-              <a:t>Inputs-Outputs</a:t>
-            </a:r>
-          </a:p>
-          <a:p>
-            <a:pPr lvl="1"/>
-            <a:r>
-              <a:rPr lang="en-US" dirty="0"/>
-              <a:t>Inputs-Inputs</a:t>
-            </a:r>
-          </a:p>
-          <a:p>
-            <a:pPr lvl="1"/>
-            <a:r>
-              <a:rPr lang="en-US" dirty="0"/>
-              <a:t>Outputs-Outputs</a:t>
-            </a:r>
-          </a:p>
-        </p:txBody>
-      </p:sp>
-    </p:spTree>
-    <p:extLst>
-      <p:ext uri="{BB962C8B-B14F-4D97-AF65-F5344CB8AC3E}">
-        <p14:creationId xmlns:p14="http://schemas.microsoft.com/office/powerpoint/2010/main" val="2152263749"/>
-      </p:ext>
-    </p:extLst>
-  </p:cSld>
-  <p:clrMapOvr>
-    <a:masterClrMapping/>
-  </p:clrMapOvr>
-</p:sld>
-</file>
-
-<file path=ppt/slides/slide22.xml><?xml version="1.0" encoding="utf-8"?>
-<p:sld xmlns:a="http://schemas.openxmlformats.org/drawingml/2006/main" xmlns:r="http://schemas.openxmlformats.org/officeDocument/2006/relationships" xmlns:p="http://schemas.openxmlformats.org/presentationml/2006/main">
-  <p:cSld>
-    <p:spTree>
-      <p:nvGrpSpPr>
-        <p:cNvPr id="1" name=""/>
-        <p:cNvGrpSpPr/>
-        <p:nvPr/>
-      </p:nvGrpSpPr>
-      <p:grpSpPr>
-        <a:xfrm>
-          <a:off x="0" y="0"/>
-          <a:ext cx="0" cy="0"/>
-          <a:chOff x="0" y="0"/>
-          <a:chExt cx="0" cy="0"/>
-        </a:xfrm>
-      </p:grpSpPr>
-      <p:sp>
-        <p:nvSpPr>
-          <p:cNvPr id="2" name="Title 1">
-            <a:extLst>
-              <a:ext uri="{FF2B5EF4-FFF2-40B4-BE49-F238E27FC236}">
-                <a16:creationId xmlns:a16="http://schemas.microsoft.com/office/drawing/2014/main" id="{404D5087-C4EA-4C4F-899C-CEF41C88957C}"/>
-              </a:ext>
-            </a:extLst>
-          </p:cNvPr>
-          <p:cNvSpPr>
-            <a:spLocks noGrp="1"/>
-          </p:cNvSpPr>
-          <p:nvPr>
-            <p:ph type="title"/>
-          </p:nvPr>
-        </p:nvSpPr>
-        <p:spPr/>
-        <p:txBody>
-          <a:bodyPr/>
-          <a:lstStyle/>
-          <a:p>
-            <a:r>
-              <a:rPr lang="en-US" dirty="0"/>
-              <a:t>5) Exercise Steps</a:t>
-            </a:r>
-          </a:p>
-        </p:txBody>
-      </p:sp>
-      <p:sp>
-        <p:nvSpPr>
-          <p:cNvPr id="3" name="Content Placeholder 2">
-            <a:extLst>
-              <a:ext uri="{FF2B5EF4-FFF2-40B4-BE49-F238E27FC236}">
-                <a16:creationId xmlns:a16="http://schemas.microsoft.com/office/drawing/2014/main" id="{740281D0-8A85-F64F-ADFA-1641EC64DC50}"/>
-              </a:ext>
-            </a:extLst>
-          </p:cNvPr>
-          <p:cNvSpPr>
-            <a:spLocks noGrp="1"/>
-          </p:cNvSpPr>
-          <p:nvPr>
-            <p:ph idx="1"/>
-          </p:nvPr>
-        </p:nvSpPr>
-        <p:spPr/>
-        <p:txBody>
-          <a:bodyPr/>
-          <a:lstStyle/>
-          <a:p>
-            <a:r>
-              <a:rPr lang="en-US" dirty="0"/>
-              <a:t>Add </a:t>
-            </a:r>
-            <a:r>
-              <a:rPr lang="en-US" dirty="0" err="1"/>
-              <a:t>BasicStatistics</a:t>
-            </a:r>
-            <a:r>
-              <a:rPr lang="en-US" dirty="0"/>
-              <a:t> Postprocessor to Models block</a:t>
-            </a:r>
-          </a:p>
-          <a:p>
-            <a:pPr lvl="1"/>
-            <a:r>
-              <a:rPr lang="en-US" dirty="0"/>
-              <a:t>See 17.5.1 in user manual for syntax</a:t>
-            </a:r>
-          </a:p>
-          <a:p>
-            <a:pPr lvl="1"/>
-            <a:r>
-              <a:rPr lang="en-US" dirty="0"/>
-              <a:t>Get mean, variance for </a:t>
-            </a:r>
-            <a:r>
-              <a:rPr lang="en-US" dirty="0">
-                <a:solidFill>
-                  <a:schemeClr val="accent2"/>
-                </a:solidFill>
-              </a:rPr>
-              <a:t>range</a:t>
-            </a:r>
-            <a:r>
-              <a:rPr lang="en-US" dirty="0"/>
-              <a:t> and </a:t>
-            </a:r>
-            <a:r>
-              <a:rPr lang="en-US" dirty="0">
-                <a:solidFill>
-                  <a:schemeClr val="accent2"/>
-                </a:solidFill>
-              </a:rPr>
-              <a:t>time of flight</a:t>
-            </a:r>
-          </a:p>
-          <a:p>
-            <a:pPr lvl="1"/>
-            <a:r>
-              <a:rPr lang="en-US" dirty="0"/>
-              <a:t>Get sensitivity of </a:t>
-            </a:r>
-            <a:r>
-              <a:rPr lang="en-US" dirty="0">
-                <a:solidFill>
-                  <a:schemeClr val="accent2"/>
-                </a:solidFill>
-              </a:rPr>
-              <a:t>range </a:t>
-            </a:r>
-            <a:r>
-              <a:rPr lang="en-US" dirty="0"/>
-              <a:t>with respect to </a:t>
-            </a:r>
-            <a:r>
-              <a:rPr lang="en-US" dirty="0">
-                <a:solidFill>
-                  <a:schemeClr val="accent2"/>
-                </a:solidFill>
-              </a:rPr>
-              <a:t>launch height, angle</a:t>
-            </a:r>
-          </a:p>
-          <a:p>
-            <a:r>
-              <a:rPr lang="en-US" dirty="0"/>
-              <a:t>Add a </a:t>
-            </a:r>
-            <a:r>
-              <a:rPr lang="en-US" dirty="0" err="1"/>
-              <a:t>PostProcessor</a:t>
-            </a:r>
-            <a:r>
-              <a:rPr lang="en-US" dirty="0"/>
-              <a:t> step to Steps block (20.5 in user manual)</a:t>
-            </a:r>
-          </a:p>
-          <a:p>
-            <a:pPr lvl="1"/>
-            <a:r>
-              <a:rPr lang="en-US" dirty="0"/>
-              <a:t>Input will be the </a:t>
-            </a:r>
-            <a:r>
-              <a:rPr lang="en-US" dirty="0">
-                <a:solidFill>
-                  <a:schemeClr val="accent2"/>
-                </a:solidFill>
-              </a:rPr>
-              <a:t>results</a:t>
-            </a:r>
-            <a:r>
-              <a:rPr lang="en-US" dirty="0"/>
-              <a:t> data object</a:t>
-            </a:r>
-          </a:p>
-          <a:p>
-            <a:pPr lvl="1"/>
-            <a:r>
-              <a:rPr lang="en-US" dirty="0"/>
-              <a:t>Model is the </a:t>
-            </a:r>
-            <a:r>
-              <a:rPr lang="en-US" dirty="0" err="1">
-                <a:solidFill>
-                  <a:schemeClr val="accent2"/>
-                </a:solidFill>
-              </a:rPr>
-              <a:t>BasicStatistics</a:t>
-            </a:r>
-            <a:r>
-              <a:rPr lang="en-US" dirty="0">
-                <a:solidFill>
-                  <a:schemeClr val="accent2"/>
-                </a:solidFill>
-              </a:rPr>
-              <a:t> </a:t>
-            </a:r>
-            <a:r>
-              <a:rPr lang="en-US" dirty="0" err="1"/>
-              <a:t>PostProcessor</a:t>
-            </a:r>
-            <a:endParaRPr lang="en-US" dirty="0"/>
-          </a:p>
-          <a:p>
-            <a:pPr lvl="1"/>
-            <a:r>
-              <a:rPr lang="en-US" dirty="0"/>
-              <a:t>Output is a new </a:t>
-            </a:r>
-            <a:r>
-              <a:rPr lang="en-US" dirty="0" err="1">
-                <a:solidFill>
-                  <a:schemeClr val="accent2"/>
-                </a:solidFill>
-              </a:rPr>
-              <a:t>PointSet</a:t>
-            </a:r>
-            <a:r>
-              <a:rPr lang="en-US" dirty="0"/>
-              <a:t> </a:t>
-            </a:r>
-            <a:r>
-              <a:rPr lang="en-US" dirty="0" err="1"/>
-              <a:t>DataObject</a:t>
-            </a:r>
-            <a:endParaRPr lang="en-US" dirty="0"/>
-          </a:p>
-          <a:p>
-            <a:pPr lvl="1"/>
-            <a:r>
-              <a:rPr lang="en-US" dirty="0"/>
-              <a:t>Don’t forget to add it to </a:t>
-            </a:r>
-            <a:r>
-              <a:rPr lang="en-US" dirty="0">
-                <a:solidFill>
-                  <a:schemeClr val="accent2"/>
-                </a:solidFill>
-              </a:rPr>
-              <a:t>Sequence</a:t>
-            </a:r>
-            <a:r>
-              <a:rPr lang="en-US" dirty="0"/>
-              <a:t> in </a:t>
-            </a:r>
-            <a:r>
-              <a:rPr lang="en-US" dirty="0" err="1">
-                <a:solidFill>
-                  <a:schemeClr val="accent2"/>
-                </a:solidFill>
-              </a:rPr>
-              <a:t>RunInfo</a:t>
-            </a:r>
-            <a:endParaRPr lang="en-US" dirty="0">
-              <a:solidFill>
-                <a:schemeClr val="accent2"/>
-              </a:solidFill>
-            </a:endParaRPr>
-          </a:p>
-          <a:p>
-            <a:r>
-              <a:rPr lang="en-US" dirty="0"/>
-              <a:t>Add a new </a:t>
-            </a:r>
-            <a:r>
-              <a:rPr lang="en-US" dirty="0" err="1"/>
-              <a:t>DataObject</a:t>
-            </a:r>
-            <a:endParaRPr lang="en-US" dirty="0"/>
-          </a:p>
-          <a:p>
-            <a:pPr lvl="1"/>
-            <a:r>
-              <a:rPr lang="en-US" dirty="0"/>
-              <a:t>Inputs can be </a:t>
-            </a:r>
-            <a:r>
-              <a:rPr lang="en-US" dirty="0">
-                <a:solidFill>
-                  <a:schemeClr val="accent2"/>
-                </a:solidFill>
-              </a:rPr>
-              <a:t>mean</a:t>
-            </a:r>
-            <a:r>
-              <a:rPr lang="en-US" dirty="0"/>
-              <a:t>, </a:t>
-            </a:r>
-            <a:r>
-              <a:rPr lang="en-US" dirty="0">
-                <a:solidFill>
-                  <a:schemeClr val="accent2"/>
-                </a:solidFill>
-              </a:rPr>
-              <a:t>variance</a:t>
-            </a:r>
-            <a:r>
-              <a:rPr lang="en-US" dirty="0"/>
-              <a:t> for range, time of flight</a:t>
-            </a:r>
-          </a:p>
-          <a:p>
-            <a:pPr lvl="1"/>
-            <a:r>
-              <a:rPr lang="en-US" dirty="0"/>
-              <a:t>Outputs can be </a:t>
-            </a:r>
-            <a:r>
-              <a:rPr lang="en-US" dirty="0">
-                <a:solidFill>
-                  <a:schemeClr val="accent2"/>
-                </a:solidFill>
-              </a:rPr>
-              <a:t>sensitivities</a:t>
-            </a:r>
-            <a:r>
-              <a:rPr lang="en-US" dirty="0"/>
-              <a:t> (</a:t>
-            </a:r>
-            <a:r>
-              <a:rPr lang="en-US" dirty="0">
-                <a:solidFill>
-                  <a:schemeClr val="accent2"/>
-                </a:solidFill>
-              </a:rPr>
-              <a:t>sens_r_y0</a:t>
-            </a:r>
-            <a:r>
-              <a:rPr lang="en-US" dirty="0"/>
-              <a:t>, </a:t>
-            </a:r>
-            <a:r>
-              <a:rPr lang="en-US" dirty="0" err="1">
-                <a:solidFill>
-                  <a:schemeClr val="accent2"/>
-                </a:solidFill>
-              </a:rPr>
-              <a:t>sens_r_ang</a:t>
-            </a:r>
-            <a:r>
-              <a:rPr lang="en-US" dirty="0"/>
-              <a:t>, </a:t>
-            </a:r>
-            <a:r>
-              <a:rPr lang="en-US" dirty="0" err="1"/>
-              <a:t>etc</a:t>
-            </a:r>
-            <a:r>
-              <a:rPr lang="en-US" dirty="0"/>
-              <a:t>)</a:t>
-            </a:r>
-          </a:p>
-          <a:p>
-            <a:r>
-              <a:rPr lang="en-US" dirty="0"/>
-              <a:t>Add a new </a:t>
-            </a:r>
-            <a:r>
-              <a:rPr lang="en-US" dirty="0" err="1"/>
-              <a:t>OutStream</a:t>
-            </a:r>
-            <a:r>
-              <a:rPr lang="en-US" dirty="0"/>
-              <a:t> </a:t>
-            </a:r>
-            <a:r>
-              <a:rPr lang="en-US" dirty="0">
-                <a:solidFill>
-                  <a:schemeClr val="accent2"/>
-                </a:solidFill>
-              </a:rPr>
-              <a:t>Print</a:t>
-            </a:r>
-          </a:p>
-          <a:p>
-            <a:r>
-              <a:rPr lang="en-US" dirty="0"/>
-              <a:t>Add new </a:t>
-            </a:r>
-            <a:r>
-              <a:rPr lang="en-US" dirty="0" err="1"/>
-              <a:t>OutStream</a:t>
-            </a:r>
-            <a:r>
-              <a:rPr lang="en-US" dirty="0"/>
-              <a:t> to </a:t>
-            </a:r>
-            <a:r>
-              <a:rPr lang="en-US" dirty="0" err="1"/>
-              <a:t>IOStep</a:t>
-            </a:r>
-            <a:r>
-              <a:rPr lang="en-US" dirty="0"/>
-              <a:t> “</a:t>
-            </a:r>
-            <a:r>
-              <a:rPr lang="en-US" dirty="0">
-                <a:solidFill>
-                  <a:schemeClr val="accent2"/>
-                </a:solidFill>
-              </a:rPr>
-              <a:t>plot</a:t>
-            </a:r>
-            <a:r>
-              <a:rPr lang="en-US" dirty="0"/>
-              <a:t>”</a:t>
-            </a:r>
-          </a:p>
-          <a:p>
-            <a:pPr lvl="1"/>
-            <a:r>
-              <a:rPr lang="en-US" dirty="0"/>
-              <a:t>Add new </a:t>
-            </a:r>
-            <a:r>
-              <a:rPr lang="en-US" dirty="0" err="1"/>
-              <a:t>DataObject</a:t>
-            </a:r>
-            <a:r>
-              <a:rPr lang="en-US" dirty="0"/>
-              <a:t> as Input</a:t>
-            </a:r>
-          </a:p>
-          <a:p>
-            <a:pPr lvl="1"/>
-            <a:r>
-              <a:rPr lang="en-US" dirty="0"/>
-              <a:t>Add new </a:t>
-            </a:r>
-            <a:r>
-              <a:rPr lang="en-US" dirty="0" err="1"/>
-              <a:t>OutStream</a:t>
-            </a:r>
-            <a:r>
-              <a:rPr lang="en-US" dirty="0"/>
-              <a:t> as Output</a:t>
-            </a:r>
-          </a:p>
-        </p:txBody>
-      </p:sp>
-    </p:spTree>
-    <p:extLst>
-      <p:ext uri="{BB962C8B-B14F-4D97-AF65-F5344CB8AC3E}">
-        <p14:creationId xmlns:p14="http://schemas.microsoft.com/office/powerpoint/2010/main" val="2915769285"/>
-      </p:ext>
-    </p:extLst>
-  </p:cSld>
-  <p:clrMapOvr>
-    <a:masterClrMapping/>
-  </p:clrMapOvr>
-</p:sld>
-</file>
-
-<file path=ppt/slides/slide23.xml><?xml version="1.0" encoding="utf-8"?>
-<p:sld xmlns:a="http://schemas.openxmlformats.org/drawingml/2006/main" xmlns:r="http://schemas.openxmlformats.org/officeDocument/2006/relationships" xmlns:p="http://schemas.openxmlformats.org/presentationml/2006/main">
-  <p:cSld>
-    <p:spTree>
-      <p:nvGrpSpPr>
-        <p:cNvPr id="1" name=""/>
-        <p:cNvGrpSpPr/>
-        <p:nvPr/>
-      </p:nvGrpSpPr>
-      <p:grpSpPr>
-        <a:xfrm>
-          <a:off x="0" y="0"/>
-          <a:ext cx="0" cy="0"/>
-          <a:chOff x="0" y="0"/>
-          <a:chExt cx="0" cy="0"/>
-        </a:xfrm>
-      </p:grpSpPr>
-      <p:sp>
-        <p:nvSpPr>
-          <p:cNvPr id="2" name="Title 1">
-            <a:extLst>
-              <a:ext uri="{FF2B5EF4-FFF2-40B4-BE49-F238E27FC236}">
-                <a16:creationId xmlns:a16="http://schemas.microsoft.com/office/drawing/2014/main" id="{7D8ACC4F-EFAB-A246-9BE6-082545582178}"/>
-              </a:ext>
-            </a:extLst>
-          </p:cNvPr>
-          <p:cNvSpPr>
-            <a:spLocks noGrp="1"/>
-          </p:cNvSpPr>
-          <p:nvPr>
-            <p:ph type="title"/>
-          </p:nvPr>
-        </p:nvSpPr>
-        <p:spPr/>
-        <p:txBody>
-          <a:bodyPr/>
-          <a:lstStyle/>
-          <a:p>
-            <a:r>
-              <a:rPr lang="en-US" dirty="0"/>
-              <a:t>A Brief Pause…</a:t>
-            </a:r>
-          </a:p>
-        </p:txBody>
-      </p:sp>
-      <p:sp>
-        <p:nvSpPr>
-          <p:cNvPr id="3" name="Content Placeholder 2">
-            <a:extLst>
-              <a:ext uri="{FF2B5EF4-FFF2-40B4-BE49-F238E27FC236}">
-                <a16:creationId xmlns:a16="http://schemas.microsoft.com/office/drawing/2014/main" id="{33E8A637-709F-694D-93E1-6271D1458257}"/>
-              </a:ext>
-            </a:extLst>
-          </p:cNvPr>
-          <p:cNvSpPr>
-            <a:spLocks noGrp="1"/>
-          </p:cNvSpPr>
-          <p:nvPr>
-            <p:ph idx="1"/>
-          </p:nvPr>
-        </p:nvSpPr>
-        <p:spPr/>
-        <p:txBody>
-          <a:bodyPr/>
-          <a:lstStyle/>
-          <a:p>
-            <a:r>
-              <a:rPr lang="en-US" dirty="0"/>
-              <a:t>How’s it going?</a:t>
-            </a:r>
-          </a:p>
-          <a:p>
-            <a:pPr lvl="1"/>
-            <a:r>
-              <a:rPr lang="en-US" dirty="0"/>
-              <a:t>Questions about cases run?</a:t>
-            </a:r>
-          </a:p>
-          <a:p>
-            <a:pPr lvl="1"/>
-            <a:r>
-              <a:rPr lang="en-US" dirty="0"/>
-              <a:t>Concerns?</a:t>
-            </a:r>
-          </a:p>
-          <a:p>
-            <a:pPr lvl="1"/>
-            <a:r>
-              <a:rPr lang="en-US" dirty="0"/>
-              <a:t>High-level questions?</a:t>
-            </a:r>
-          </a:p>
-          <a:p>
-            <a:pPr lvl="1"/>
-            <a:r>
-              <a:rPr lang="en-US" dirty="0"/>
-              <a:t>Curious results?</a:t>
-            </a:r>
-          </a:p>
-          <a:p>
-            <a:pPr lvl="1"/>
-            <a:endParaRPr lang="en-US" dirty="0"/>
-          </a:p>
-          <a:p>
-            <a:r>
-              <a:rPr lang="en-US" dirty="0"/>
-              <a:t>Coming up next:</a:t>
-            </a:r>
-          </a:p>
-          <a:p>
-            <a:pPr lvl="1"/>
-            <a:r>
-              <a:rPr lang="en-US" dirty="0"/>
-              <a:t>time-dependent statistics</a:t>
-            </a:r>
-          </a:p>
-          <a:p>
-            <a:pPr lvl="1"/>
-            <a:r>
-              <a:rPr lang="en-US" dirty="0"/>
-              <a:t>task-oriented input design</a:t>
-            </a:r>
-          </a:p>
-          <a:p>
-            <a:pPr lvl="1"/>
-            <a:r>
-              <a:rPr lang="en-US" dirty="0"/>
-              <a:t>sandbox time</a:t>
-            </a:r>
-          </a:p>
-          <a:p>
-            <a:pPr lvl="1"/>
-            <a:endParaRPr lang="en-US" dirty="0"/>
-          </a:p>
-          <a:p>
-            <a:endParaRPr lang="en-US" dirty="0"/>
-          </a:p>
-        </p:txBody>
-      </p:sp>
-    </p:spTree>
-    <p:extLst>
-      <p:ext uri="{BB962C8B-B14F-4D97-AF65-F5344CB8AC3E}">
-        <p14:creationId xmlns:p14="http://schemas.microsoft.com/office/powerpoint/2010/main" val="3202115832"/>
-      </p:ext>
-    </p:extLst>
-  </p:cSld>
-  <p:clrMapOvr>
-    <a:masterClrMapping/>
-  </p:clrMapOvr>
-</p:sld>
-</file>
-
-<file path=ppt/slides/slide3.xml><?xml version="1.0" encoding="utf-8"?>
 <p:sld xmlns:a="http://schemas.openxmlformats.org/drawingml/2006/main" xmlns:r="http://schemas.openxmlformats.org/officeDocument/2006/relationships" xmlns:p="http://schemas.openxmlformats.org/presentationml/2006/main">
   <p:cSld>
     <p:spTree>
@@ -37073,40 +33799,6 @@
             </a:r>
           </a:p>
           <a:p>
-            <a:r>
-              <a:rPr lang="en-US" dirty="0"/>
-              <a:t>paths given starting at raven (</a:t>
-            </a:r>
-            <a:r>
-              <a:rPr lang="en-US" dirty="0">
-                <a:solidFill>
-                  <a:schemeClr val="bg1"/>
-                </a:solidFill>
-                <a:highlight>
-                  <a:srgbClr val="7F7F7F"/>
-                </a:highlight>
-                <a:latin typeface="Lucida Console" panose="020B0609040504020204" pitchFamily="49" charset="0"/>
-              </a:rPr>
-              <a:t>raven/</a:t>
-            </a:r>
-            <a:r>
-              <a:rPr lang="en-US" dirty="0"/>
-              <a:t>)</a:t>
-            </a:r>
-          </a:p>
-          <a:p>
-            <a:pPr marL="0" indent="0">
-              <a:buNone/>
-            </a:pPr>
-            <a:endParaRPr lang="en-US" dirty="0"/>
-          </a:p>
-          <a:p>
-            <a:pPr marL="0" indent="0">
-              <a:buNone/>
-            </a:pPr>
-            <a:endParaRPr lang="en-US" dirty="0"/>
-          </a:p>
-          <a:p>
             <a:pPr marL="0" indent="0">
               <a:buNone/>
             </a:pPr>
@@ -37143,8 +33835,8 @@
         </p:nvSpPr>
         <p:spPr>
           <a:xfrm>
-            <a:off x="455613" y="2553565"/>
-            <a:ext cx="8494423" cy="923330"/>
+            <a:off x="455612" y="1999566"/>
+            <a:ext cx="8494423" cy="369332"/>
           </a:xfrm>
           <a:prstGeom prst="rect">
             <a:avLst/>
@@ -37160,46 +33852,6 @@
             <a:spAutoFit/>
           </a:bodyPr>
           <a:lstStyle/>
-          <a:p>
-            <a:pPr marL="0" indent="0">
-              <a:buNone/>
-            </a:pPr>
-            <a:r>
-              <a:rPr lang="en-US" sz="1800" dirty="0">
-                <a:latin typeface="Lucida Console" panose="020B0609040504020204" pitchFamily="49" charset="0"/>
-              </a:rPr>
-              <a:t>~&gt;</a:t>
-            </a:r>
-            <a:r>
-              <a:rPr lang="en-US" sz="1800" dirty="0">
-                <a:solidFill>
-                  <a:schemeClr val="bg1"/>
-                </a:solidFill>
-                <a:latin typeface="Lucida Console" panose="020B0609040504020204" pitchFamily="49" charset="0"/>
-              </a:rPr>
-              <a:t> cd projects/raven</a:t>
-            </a:r>
-          </a:p>
-          <a:p>
-            <a:pPr marL="0" indent="0">
-              <a:buNone/>
-            </a:pPr>
-            <a:r>
-              <a:rPr lang="en-US" sz="1800" dirty="0">
-                <a:latin typeface="Lucida Console" panose="020B0609040504020204" pitchFamily="49" charset="0"/>
-              </a:rPr>
-              <a:t>~/projects/raven&gt; </a:t>
-            </a:r>
-            <a:r>
-              <a:rPr lang="en-US" sz="1800" dirty="0">
-                <a:solidFill>
-                  <a:schemeClr val="bg1"/>
-                </a:solidFill>
-                <a:latin typeface="Lucida Console" panose="020B0609040504020204" pitchFamily="49" charset="0"/>
-              </a:rPr>
-              <a:t>git checkout workshop_2018</a:t>
-            </a:r>
-          </a:p>
           <a:p>
             <a:pPr marL="0" indent="0">
               <a:buNone/>
@@ -37236,7 +33888,7 @@
         </p:nvSpPr>
         <p:spPr>
           <a:xfrm>
-            <a:off x="455612" y="4247181"/>
+            <a:off x="455611" y="3060804"/>
             <a:ext cx="8494423" cy="369332"/>
           </a:xfrm>
           <a:prstGeom prst="rect">
@@ -37264,23 +33916,8 @@
                 </a:solidFill>
                 <a:latin typeface="Lucida Console" panose="020B0609040504020204" pitchFamily="49" charset="0"/>
               </a:rPr>
-              <a:t>raven/doc/workshop/</a:t>
+              <a:t>raven/doc/workshop/optimizer</a:t>
             </a:r>
-            <a:r>
-              <a:rPr lang="en-US" sz="1800" dirty="0" err="1">
-                <a:solidFill>
-                  <a:schemeClr val="bg1"/>
-                </a:solidFill>
-                <a:latin typeface="Lucida Console" panose="020B0609040504020204" pitchFamily="49" charset="0"/>
-              </a:rPr>
-              <a:t>forwardSampling</a:t>
-            </a:r>
-            <a:endParaRPr lang="en-US" sz="1800" dirty="0">
-              <a:solidFill>
-                <a:schemeClr val="bg1"/>
-              </a:solidFill>
-              <a:latin typeface="Lucida Console" panose="020B0609040504020204" pitchFamily="49" charset="0"/>
-            </a:endParaRPr>
           </a:p>
         </p:txBody>
       </p:sp>
@@ -37297,7 +33934,7 @@
 </p:sld>
 </file>
 
-<file path=ppt/slides/slide4.xml><?xml version="1.0" encoding="utf-8"?>
+<file path=ppt/slides/slide3.xml><?xml version="1.0" encoding="utf-8"?>
 <p:sld xmlns:a="http://schemas.openxmlformats.org/drawingml/2006/main" xmlns:r="http://schemas.openxmlformats.org/officeDocument/2006/relationships" xmlns:p="http://schemas.openxmlformats.org/presentationml/2006/main">
   <p:cSld>
     <p:spTree>
@@ -37684,914 +34321,7 @@
 </p:sld>
 </file>
 
-<file path=ppt/slides/slide5.xml><?xml version="1.0" encoding="utf-8"?>
-<p:sld xmlns:a="http://schemas.openxmlformats.org/drawingml/2006/main" xmlns:r="http://schemas.openxmlformats.org/officeDocument/2006/relationships" xmlns:p="http://schemas.openxmlformats.org/presentationml/2006/main">
-  <p:cSld>
-    <p:spTree>
-      <p:nvGrpSpPr>
-        <p:cNvPr id="1" name=""/>
-        <p:cNvGrpSpPr/>
-        <p:nvPr/>
-      </p:nvGrpSpPr>
-      <p:grpSpPr>
-        <a:xfrm>
-          <a:off x="0" y="0"/>
-          <a:ext cx="0" cy="0"/>
-          <a:chOff x="0" y="0"/>
-          <a:chExt cx="0" cy="0"/>
-        </a:xfrm>
-      </p:grpSpPr>
-      <p:sp>
-        <p:nvSpPr>
-          <p:cNvPr id="2" name="Title 1">
-            <a:extLst>
-              <a:ext uri="{FF2B5EF4-FFF2-40B4-BE49-F238E27FC236}">
-                <a16:creationId xmlns:a16="http://schemas.microsoft.com/office/drawing/2014/main" id="{DC857E2B-9BCF-124F-85FF-271A61B92155}"/>
-              </a:ext>
-            </a:extLst>
-          </p:cNvPr>
-          <p:cNvSpPr>
-            <a:spLocks noGrp="1"/>
-          </p:cNvSpPr>
-          <p:nvPr>
-            <p:ph type="title"/>
-          </p:nvPr>
-        </p:nvSpPr>
-        <p:spPr/>
-        <p:txBody>
-          <a:bodyPr/>
-          <a:lstStyle/>
-          <a:p>
-            <a:r>
-              <a:rPr lang="en-US" dirty="0"/>
-              <a:t>Try Out the Code</a:t>
-            </a:r>
-          </a:p>
-        </p:txBody>
-      </p:sp>
-      <p:sp>
-        <p:nvSpPr>
-          <p:cNvPr id="3" name="Content Placeholder 2">
-            <a:extLst>
-              <a:ext uri="{FF2B5EF4-FFF2-40B4-BE49-F238E27FC236}">
-                <a16:creationId xmlns:a16="http://schemas.microsoft.com/office/drawing/2014/main" id="{72E69AE3-BE53-4349-B5FE-F3A69DC78390}"/>
-              </a:ext>
-            </a:extLst>
-          </p:cNvPr>
-          <p:cNvSpPr>
-            <a:spLocks noGrp="1"/>
-          </p:cNvSpPr>
-          <p:nvPr>
-            <p:ph idx="1"/>
-          </p:nvPr>
-        </p:nvSpPr>
-        <p:spPr/>
-        <p:txBody>
-          <a:bodyPr/>
-          <a:lstStyle/>
-          <a:p>
-            <a:r>
-              <a:rPr lang="en-US" dirty="0"/>
-              <a:t>Starting from </a:t>
-            </a:r>
-            <a:r>
-              <a:rPr lang="en-US" dirty="0">
-                <a:solidFill>
-                  <a:schemeClr val="bg1"/>
-                </a:solidFill>
-                <a:highlight>
-                  <a:srgbClr val="7F7F7F"/>
-                </a:highlight>
-                <a:latin typeface="Lucida Console" panose="020B0609040504020204" pitchFamily="49" charset="0"/>
-              </a:rPr>
-              <a:t>raven/</a:t>
-            </a:r>
-            <a:r>
-              <a:rPr lang="en-US" dirty="0"/>
-              <a:t> </a:t>
-            </a:r>
-          </a:p>
-          <a:p>
-            <a:pPr marL="0" indent="0">
-              <a:buNone/>
-            </a:pPr>
-            <a:endParaRPr lang="en-US" dirty="0"/>
-          </a:p>
-          <a:p>
-            <a:endParaRPr lang="en-US" dirty="0"/>
-          </a:p>
-          <a:p>
-            <a:endParaRPr lang="en-US" dirty="0"/>
-          </a:p>
-          <a:p>
-            <a:endParaRPr lang="en-US" dirty="0"/>
-          </a:p>
-          <a:p>
-            <a:pPr lvl="1"/>
-            <a:r>
-              <a:rPr lang="en-US" dirty="0" err="1"/>
-              <a:t>conda</a:t>
-            </a:r>
-            <a:r>
-              <a:rPr lang="en-US" dirty="0"/>
-              <a:t> activate </a:t>
-            </a:r>
-            <a:r>
-              <a:rPr lang="en-US" dirty="0" err="1"/>
-              <a:t>raven_libraries</a:t>
-            </a:r>
-            <a:endParaRPr lang="en-US" dirty="0"/>
-          </a:p>
-          <a:p>
-            <a:pPr lvl="1"/>
-            <a:r>
-              <a:rPr lang="en-US" dirty="0"/>
-              <a:t>Windows: use </a:t>
-            </a:r>
-            <a:r>
-              <a:rPr lang="en-US" dirty="0" err="1"/>
-              <a:t>winpty</a:t>
-            </a:r>
-            <a:r>
-              <a:rPr lang="en-US" dirty="0"/>
-              <a:t> not python</a:t>
-            </a:r>
-          </a:p>
-          <a:p>
-            <a:endParaRPr lang="en-US" dirty="0"/>
-          </a:p>
-          <a:p>
-            <a:r>
-              <a:rPr lang="en-US" dirty="0"/>
-              <a:t>Output created in “</a:t>
-            </a:r>
-            <a:r>
-              <a:rPr lang="en-US" dirty="0" err="1"/>
-              <a:t>out.csv</a:t>
-            </a:r>
-            <a:r>
-              <a:rPr lang="en-US" dirty="0"/>
-              <a:t>”</a:t>
-            </a:r>
-          </a:p>
-          <a:p>
-            <a:endParaRPr lang="en-US" dirty="0"/>
-          </a:p>
-          <a:p>
-            <a:r>
-              <a:rPr lang="en-US" dirty="0"/>
-              <a:t>Change around input parameters in “</a:t>
-            </a:r>
-            <a:r>
-              <a:rPr lang="en-US" dirty="0" err="1"/>
-              <a:t>input.i</a:t>
-            </a:r>
-            <a:r>
-              <a:rPr lang="en-US" dirty="0"/>
-              <a:t>”</a:t>
-            </a:r>
-          </a:p>
-          <a:p>
-            <a:endParaRPr lang="en-US" dirty="0"/>
-          </a:p>
-          <a:p>
-            <a:r>
-              <a:rPr lang="en-US" dirty="0"/>
-              <a:t>Now how to do this automatically with RAVEN?</a:t>
-            </a:r>
-          </a:p>
-          <a:p>
-            <a:endParaRPr lang="en-US" dirty="0"/>
-          </a:p>
-          <a:p>
-            <a:endParaRPr lang="en-US" dirty="0"/>
-          </a:p>
-        </p:txBody>
-      </p:sp>
-      <p:sp>
-        <p:nvSpPr>
-          <p:cNvPr id="4" name="TextBox 3">
-            <a:extLst>
-              <a:ext uri="{FF2B5EF4-FFF2-40B4-BE49-F238E27FC236}">
-                <a16:creationId xmlns:a16="http://schemas.microsoft.com/office/drawing/2014/main" id="{E7298B28-D3CF-9041-AE65-A1FA5353470D}"/>
-              </a:ext>
-            </a:extLst>
-          </p:cNvPr>
-          <p:cNvSpPr txBox="1"/>
-          <p:nvPr/>
-        </p:nvSpPr>
-        <p:spPr>
-          <a:xfrm>
-            <a:off x="455613" y="1935179"/>
-            <a:ext cx="8494423" cy="1477328"/>
-          </a:xfrm>
-          <a:prstGeom prst="rect">
-            <a:avLst/>
-          </a:prstGeom>
-          <a:solidFill>
-            <a:schemeClr val="bg1">
-              <a:lumMod val="50000"/>
-            </a:schemeClr>
-          </a:solidFill>
-        </p:spPr>
-        <p:txBody>
-          <a:bodyPr wrap="square" rtlCol="0">
-            <a:spAutoFit/>
-          </a:bodyPr>
-          <a:lstStyle/>
-          <a:p>
-            <a:pPr marL="0" indent="0">
-              <a:buNone/>
-            </a:pPr>
-            <a:endParaRPr lang="en-US" sz="1800" dirty="0">
-              <a:latin typeface="Lucida Console" panose="020B0609040504020204" pitchFamily="49" charset="0"/>
-            </a:endParaRPr>
-          </a:p>
-          <a:p>
-            <a:pPr marL="0" indent="0">
-              <a:buNone/>
-            </a:pPr>
-            <a:r>
-              <a:rPr lang="en-US" sz="1800" dirty="0">
-                <a:latin typeface="Lucida Console" panose="020B0609040504020204" pitchFamily="49" charset="0"/>
-              </a:rPr>
-              <a:t>&gt;</a:t>
-            </a:r>
-            <a:r>
-              <a:rPr lang="en-US" sz="1800" dirty="0">
-                <a:solidFill>
-                  <a:schemeClr val="bg1"/>
-                </a:solidFill>
-                <a:latin typeface="Lucida Console" panose="020B0609040504020204" pitchFamily="49" charset="0"/>
-              </a:rPr>
-              <a:t> cd doc/workshop/</a:t>
-            </a:r>
-            <a:r>
-              <a:rPr lang="en-US" sz="1800" dirty="0" err="1">
-                <a:solidFill>
-                  <a:schemeClr val="bg1"/>
-                </a:solidFill>
-                <a:latin typeface="Lucida Console" panose="020B0609040504020204" pitchFamily="49" charset="0"/>
-              </a:rPr>
-              <a:t>forwardSampling</a:t>
-            </a:r>
-            <a:r>
-              <a:rPr lang="en-US" sz="1800" dirty="0">
-                <a:solidFill>
-                  <a:schemeClr val="bg1"/>
-                </a:solidFill>
-                <a:latin typeface="Lucida Console" panose="020B0609040504020204" pitchFamily="49" charset="0"/>
-              </a:rPr>
-              <a:t>/</a:t>
-            </a:r>
-            <a:r>
-              <a:rPr lang="en-US" sz="1800" dirty="0" err="1">
-                <a:solidFill>
-                  <a:schemeClr val="bg1"/>
-                </a:solidFill>
-                <a:latin typeface="Lucida Console" panose="020B0609040504020204" pitchFamily="49" charset="0"/>
-              </a:rPr>
-              <a:t>projectile_model</a:t>
-            </a:r>
-            <a:endParaRPr lang="en-US" sz="1800" dirty="0">
-              <a:solidFill>
-                <a:schemeClr val="bg1"/>
-              </a:solidFill>
-              <a:latin typeface="Lucida Console" panose="020B0609040504020204" pitchFamily="49" charset="0"/>
-            </a:endParaRPr>
-          </a:p>
-          <a:p>
-            <a:pPr marL="0" indent="0">
-              <a:buNone/>
-            </a:pPr>
-            <a:endParaRPr lang="en-US" sz="1800" dirty="0">
-              <a:latin typeface="Lucida Console" panose="020B0609040504020204" pitchFamily="49" charset="0"/>
-            </a:endParaRPr>
-          </a:p>
-          <a:p>
-            <a:pPr marL="0" indent="0">
-              <a:buNone/>
-            </a:pPr>
-            <a:r>
-              <a:rPr lang="en-US" sz="1800" dirty="0">
-                <a:latin typeface="Lucida Console" panose="020B0609040504020204" pitchFamily="49" charset="0"/>
-              </a:rPr>
-              <a:t>&gt; </a:t>
-            </a:r>
-            <a:r>
-              <a:rPr lang="en-US" sz="1800" dirty="0">
-                <a:solidFill>
-                  <a:schemeClr val="bg1"/>
-                </a:solidFill>
-                <a:latin typeface="Lucida Console" panose="020B0609040504020204" pitchFamily="49" charset="0"/>
-              </a:rPr>
-              <a:t>python </a:t>
-            </a:r>
-            <a:r>
-              <a:rPr lang="en-US" sz="1800" dirty="0" err="1">
-                <a:solidFill>
-                  <a:schemeClr val="bg1"/>
-                </a:solidFill>
-                <a:latin typeface="Lucida Console" panose="020B0609040504020204" pitchFamily="49" charset="0"/>
-              </a:rPr>
-              <a:t>projectile.py</a:t>
-            </a:r>
-            <a:r>
-              <a:rPr lang="en-US" sz="1800" dirty="0">
-                <a:solidFill>
-                  <a:schemeClr val="bg1"/>
-                </a:solidFill>
-                <a:latin typeface="Lucida Console" panose="020B0609040504020204" pitchFamily="49" charset="0"/>
-              </a:rPr>
-              <a:t> -</a:t>
-            </a:r>
-            <a:r>
-              <a:rPr lang="en-US" sz="1800" dirty="0" err="1">
-                <a:solidFill>
-                  <a:schemeClr val="bg1"/>
-                </a:solidFill>
-                <a:latin typeface="Lucida Console" panose="020B0609040504020204" pitchFamily="49" charset="0"/>
-              </a:rPr>
-              <a:t>i</a:t>
-            </a:r>
-            <a:r>
-              <a:rPr lang="en-US" sz="1800" dirty="0">
-                <a:solidFill>
-                  <a:schemeClr val="bg1"/>
-                </a:solidFill>
-                <a:latin typeface="Lucida Console" panose="020B0609040504020204" pitchFamily="49" charset="0"/>
-              </a:rPr>
-              <a:t> </a:t>
-            </a:r>
-            <a:r>
-              <a:rPr lang="en-US" sz="1800" dirty="0" err="1">
-                <a:solidFill>
-                  <a:schemeClr val="bg1"/>
-                </a:solidFill>
-                <a:latin typeface="Lucida Console" panose="020B0609040504020204" pitchFamily="49" charset="0"/>
-              </a:rPr>
-              <a:t>input.i</a:t>
-            </a:r>
-            <a:r>
-              <a:rPr lang="en-US" sz="1800" dirty="0">
-                <a:solidFill>
-                  <a:schemeClr val="bg1"/>
-                </a:solidFill>
-                <a:latin typeface="Lucida Console" panose="020B0609040504020204" pitchFamily="49" charset="0"/>
-              </a:rPr>
-              <a:t> –o out</a:t>
-            </a:r>
-          </a:p>
-          <a:p>
-            <a:pPr marL="0" indent="0">
-              <a:buNone/>
-            </a:pPr>
-            <a:endParaRPr lang="en-US" sz="1800" dirty="0">
-              <a:solidFill>
-                <a:schemeClr val="bg1"/>
-              </a:solidFill>
-              <a:latin typeface="Lucida Console" panose="020B0609040504020204" pitchFamily="49" charset="0"/>
-            </a:endParaRPr>
-          </a:p>
-        </p:txBody>
-      </p:sp>
-    </p:spTree>
-    <p:extLst>
-      <p:ext uri="{BB962C8B-B14F-4D97-AF65-F5344CB8AC3E}">
-        <p14:creationId xmlns:p14="http://schemas.microsoft.com/office/powerpoint/2010/main" val="176863526"/>
-      </p:ext>
-    </p:extLst>
-  </p:cSld>
-  <p:clrMapOvr>
-    <a:masterClrMapping/>
-  </p:clrMapOvr>
-</p:sld>
-</file>
-
-<file path=ppt/slides/slide6.xml><?xml version="1.0" encoding="utf-8"?>
-<p:sld xmlns:a="http://schemas.openxmlformats.org/drawingml/2006/main" xmlns:r="http://schemas.openxmlformats.org/officeDocument/2006/relationships" xmlns:p="http://schemas.openxmlformats.org/presentationml/2006/main">
-  <p:cSld>
-    <p:spTree>
-      <p:nvGrpSpPr>
-        <p:cNvPr id="1" name=""/>
-        <p:cNvGrpSpPr/>
-        <p:nvPr/>
-      </p:nvGrpSpPr>
-      <p:grpSpPr>
-        <a:xfrm>
-          <a:off x="0" y="0"/>
-          <a:ext cx="0" cy="0"/>
-          <a:chOff x="0" y="0"/>
-          <a:chExt cx="0" cy="0"/>
-        </a:xfrm>
-      </p:grpSpPr>
-      <p:sp>
-        <p:nvSpPr>
-          <p:cNvPr id="2" name="Title 1">
-            <a:extLst>
-              <a:ext uri="{FF2B5EF4-FFF2-40B4-BE49-F238E27FC236}">
-                <a16:creationId xmlns:a16="http://schemas.microsoft.com/office/drawing/2014/main" id="{ABE60B48-E521-DB44-B57D-987CB102D6F5}"/>
-              </a:ext>
-            </a:extLst>
-          </p:cNvPr>
-          <p:cNvSpPr>
-            <a:spLocks noGrp="1"/>
-          </p:cNvSpPr>
-          <p:nvPr>
-            <p:ph type="title"/>
-          </p:nvPr>
-        </p:nvSpPr>
-        <p:spPr/>
-        <p:txBody>
-          <a:bodyPr/>
-          <a:lstStyle/>
-          <a:p>
-            <a:r>
-              <a:rPr lang="en-US" dirty="0"/>
-              <a:t>What we want RAVEN to do</a:t>
-            </a:r>
-          </a:p>
-        </p:txBody>
-      </p:sp>
-      <p:sp>
-        <p:nvSpPr>
-          <p:cNvPr id="3" name="Content Placeholder 2">
-            <a:extLst>
-              <a:ext uri="{FF2B5EF4-FFF2-40B4-BE49-F238E27FC236}">
-                <a16:creationId xmlns:a16="http://schemas.microsoft.com/office/drawing/2014/main" id="{F499C394-70A1-4342-8037-3885A1360119}"/>
-              </a:ext>
-            </a:extLst>
-          </p:cNvPr>
-          <p:cNvSpPr>
-            <a:spLocks noGrp="1"/>
-          </p:cNvSpPr>
-          <p:nvPr>
-            <p:ph idx="1"/>
-          </p:nvPr>
-        </p:nvSpPr>
-        <p:spPr/>
-        <p:txBody>
-          <a:bodyPr/>
-          <a:lstStyle/>
-          <a:p>
-            <a:endParaRPr lang="en-US" dirty="0"/>
-          </a:p>
-          <a:p>
-            <a:r>
-              <a:rPr lang="en-US" dirty="0"/>
-              <a:t>Run my projectile code 1000 times</a:t>
-            </a:r>
-          </a:p>
-          <a:p>
-            <a:pPr lvl="1"/>
-            <a:endParaRPr lang="en-US" dirty="0"/>
-          </a:p>
-          <a:p>
-            <a:pPr lvl="1"/>
-            <a:r>
-              <a:rPr lang="en-US" dirty="0"/>
-              <a:t>perturb launch angle and velocity</a:t>
-            </a:r>
-          </a:p>
-          <a:p>
-            <a:pPr lvl="1"/>
-            <a:endParaRPr lang="en-US" dirty="0"/>
-          </a:p>
-          <a:p>
-            <a:pPr lvl="1"/>
-            <a:r>
-              <a:rPr lang="en-US" dirty="0"/>
-              <a:t>see how “range” and “time of flight” change</a:t>
-            </a:r>
-          </a:p>
-          <a:p>
-            <a:pPr lvl="1"/>
-            <a:endParaRPr lang="en-US" dirty="0"/>
-          </a:p>
-          <a:p>
-            <a:endParaRPr lang="en-US" dirty="0"/>
-          </a:p>
-          <a:p>
-            <a:r>
-              <a:rPr lang="en-US" dirty="0"/>
-              <a:t>How do we tell RAVEN to do this?</a:t>
-            </a:r>
-          </a:p>
-        </p:txBody>
-      </p:sp>
-    </p:spTree>
-    <p:extLst>
-      <p:ext uri="{BB962C8B-B14F-4D97-AF65-F5344CB8AC3E}">
-        <p14:creationId xmlns:p14="http://schemas.microsoft.com/office/powerpoint/2010/main" val="2668810574"/>
-      </p:ext>
-    </p:extLst>
-  </p:cSld>
-  <p:clrMapOvr>
-    <a:masterClrMapping/>
-  </p:clrMapOvr>
-</p:sld>
-</file>
-
-<file path=ppt/slides/slide7.xml><?xml version="1.0" encoding="utf-8"?>
-<p:sld xmlns:a="http://schemas.openxmlformats.org/drawingml/2006/main" xmlns:r="http://schemas.openxmlformats.org/officeDocument/2006/relationships" xmlns:p="http://schemas.openxmlformats.org/presentationml/2006/main">
-  <p:cSld>
-    <p:spTree>
-      <p:nvGrpSpPr>
-        <p:cNvPr id="1" name=""/>
-        <p:cNvGrpSpPr/>
-        <p:nvPr/>
-      </p:nvGrpSpPr>
-      <p:grpSpPr>
-        <a:xfrm>
-          <a:off x="0" y="0"/>
-          <a:ext cx="0" cy="0"/>
-          <a:chOff x="0" y="0"/>
-          <a:chExt cx="0" cy="0"/>
-        </a:xfrm>
-      </p:grpSpPr>
-      <p:sp>
-        <p:nvSpPr>
-          <p:cNvPr id="70658" name="Rectangle 2"/>
-          <p:cNvSpPr>
-            <a:spLocks noGrp="1" noChangeArrowheads="1"/>
-          </p:cNvSpPr>
-          <p:nvPr>
-            <p:ph type="title"/>
-          </p:nvPr>
-        </p:nvSpPr>
-        <p:spPr>
-          <a:xfrm>
-            <a:off x="455613" y="1004888"/>
-            <a:ext cx="8231187" cy="377026"/>
-          </a:xfrm>
-        </p:spPr>
-        <p:txBody>
-          <a:bodyPr/>
-          <a:lstStyle/>
-          <a:p>
-            <a:r>
-              <a:rPr lang="en-US" b="0" dirty="0"/>
-              <a:t>How to Think About the Task</a:t>
-            </a:r>
-          </a:p>
-        </p:txBody>
-      </p:sp>
-      <p:sp>
-        <p:nvSpPr>
-          <p:cNvPr id="70659" name="Rectangle 3"/>
-          <p:cNvSpPr>
-            <a:spLocks noGrp="1" noChangeArrowheads="1"/>
-          </p:cNvSpPr>
-          <p:nvPr>
-            <p:ph type="body" idx="1"/>
-          </p:nvPr>
-        </p:nvSpPr>
-        <p:spPr/>
-        <p:txBody>
-          <a:bodyPr/>
-          <a:lstStyle/>
-          <a:p>
-            <a:pPr>
-              <a:spcAft>
-                <a:spcPts val="1200"/>
-              </a:spcAft>
-            </a:pPr>
-            <a:r>
-              <a:rPr lang="en-US" dirty="0"/>
-              <a:t>RAVEN perspective</a:t>
-            </a:r>
-          </a:p>
-          <a:p>
-            <a:pPr lvl="1"/>
-            <a:r>
-              <a:rPr lang="en-US" dirty="0">
-                <a:solidFill>
-                  <a:srgbClr val="0000FF"/>
-                </a:solidFill>
-              </a:rPr>
-              <a:t>&lt;</a:t>
-            </a:r>
-            <a:r>
-              <a:rPr lang="en-US" dirty="0" err="1">
-                <a:solidFill>
-                  <a:srgbClr val="0000FF"/>
-                </a:solidFill>
-              </a:rPr>
-              <a:t>RunInfo</a:t>
-            </a:r>
-            <a:r>
-              <a:rPr lang="en-US" dirty="0">
-                <a:solidFill>
-                  <a:srgbClr val="0000FF"/>
-                </a:solidFill>
-              </a:rPr>
-              <a:t>&gt;	</a:t>
-            </a:r>
-            <a:r>
-              <a:rPr lang="en-US" dirty="0"/>
-              <a:t>Set up the environment, sequence             </a:t>
-            </a:r>
-          </a:p>
-          <a:p>
-            <a:pPr lvl="1"/>
-            <a:r>
-              <a:rPr lang="en-US" dirty="0">
-                <a:solidFill>
-                  <a:srgbClr val="0000FF"/>
-                </a:solidFill>
-              </a:rPr>
-              <a:t>&lt;Steps&gt; 		</a:t>
-            </a:r>
-            <a:r>
-              <a:rPr lang="en-US" dirty="0">
-                <a:solidFill>
-                  <a:srgbClr val="000000"/>
-                </a:solidFill>
-              </a:rPr>
-              <a:t>Combine the </a:t>
-            </a:r>
-            <a:r>
-              <a:rPr lang="en-US" dirty="0">
-                <a:solidFill>
-                  <a:schemeClr val="accent2"/>
-                </a:solidFill>
-              </a:rPr>
-              <a:t>Entities</a:t>
-            </a:r>
-          </a:p>
-          <a:p>
-            <a:pPr lvl="1"/>
-            <a:r>
-              <a:rPr lang="en-US" dirty="0">
-                <a:solidFill>
-                  <a:srgbClr val="0000FF"/>
-                </a:solidFill>
-              </a:rPr>
-              <a:t>&lt;Distributions&gt;	</a:t>
-            </a:r>
-            <a:r>
-              <a:rPr lang="en-US" dirty="0">
-                <a:solidFill>
-                  <a:srgbClr val="000000"/>
-                </a:solidFill>
-              </a:rPr>
-              <a:t>Describe the input space  </a:t>
-            </a:r>
-          </a:p>
-          <a:p>
-            <a:pPr lvl="1"/>
-            <a:r>
-              <a:rPr lang="en-US" dirty="0">
-                <a:solidFill>
-                  <a:srgbClr val="0000FF"/>
-                </a:solidFill>
-              </a:rPr>
-              <a:t>&lt;Samplers&gt;	</a:t>
-            </a:r>
-            <a:r>
-              <a:rPr lang="en-US" dirty="0">
-                <a:solidFill>
-                  <a:srgbClr val="000000"/>
-                </a:solidFill>
-              </a:rPr>
-              <a:t>Decide the exploration strategy   </a:t>
-            </a:r>
-          </a:p>
-          <a:p>
-            <a:pPr lvl="1"/>
-            <a:r>
-              <a:rPr lang="en-US" dirty="0">
-                <a:solidFill>
-                  <a:srgbClr val="0000FF"/>
-                </a:solidFill>
-              </a:rPr>
-              <a:t>&lt;</a:t>
-            </a:r>
-            <a:r>
-              <a:rPr lang="en-US" dirty="0" err="1">
-                <a:solidFill>
-                  <a:srgbClr val="0000FF"/>
-                </a:solidFill>
-              </a:rPr>
-              <a:t>DataObjects</a:t>
-            </a:r>
-            <a:r>
-              <a:rPr lang="en-US" dirty="0">
-                <a:solidFill>
-                  <a:srgbClr val="0000FF"/>
-                </a:solidFill>
-              </a:rPr>
-              <a:t>&gt;	</a:t>
-            </a:r>
-            <a:r>
-              <a:rPr lang="en-US" dirty="0"/>
-              <a:t>Moving and keeping data around</a:t>
-            </a:r>
-          </a:p>
-          <a:p>
-            <a:pPr lvl="1"/>
-            <a:r>
-              <a:rPr lang="en-US" dirty="0">
-                <a:solidFill>
-                  <a:srgbClr val="0000FF"/>
-                </a:solidFill>
-              </a:rPr>
-              <a:t>&lt;Models&gt;		</a:t>
-            </a:r>
-            <a:r>
-              <a:rPr lang="en-US" dirty="0"/>
-              <a:t>Interact with codes</a:t>
-            </a:r>
-          </a:p>
-          <a:p>
-            <a:pPr lvl="1"/>
-            <a:r>
-              <a:rPr lang="en-US" dirty="0">
-                <a:solidFill>
-                  <a:srgbClr val="0000FF"/>
-                </a:solidFill>
-              </a:rPr>
-              <a:t>&lt;Files&gt;		</a:t>
-            </a:r>
-            <a:r>
-              <a:rPr lang="en-US" dirty="0"/>
-              <a:t>I/O with the hard drive</a:t>
-            </a:r>
-          </a:p>
-          <a:p>
-            <a:pPr lvl="1"/>
-            <a:r>
-              <a:rPr lang="en-US" dirty="0">
-                <a:solidFill>
-                  <a:srgbClr val="0000FF"/>
-                </a:solidFill>
-              </a:rPr>
-              <a:t>&lt;</a:t>
-            </a:r>
-            <a:r>
-              <a:rPr lang="en-US" dirty="0" err="1">
-                <a:solidFill>
-                  <a:srgbClr val="0000FF"/>
-                </a:solidFill>
-              </a:rPr>
-              <a:t>OutStreams</a:t>
-            </a:r>
-            <a:r>
-              <a:rPr lang="en-US" dirty="0">
-                <a:solidFill>
-                  <a:srgbClr val="0000FF"/>
-                </a:solidFill>
-              </a:rPr>
-              <a:t>&gt;	</a:t>
-            </a:r>
-            <a:r>
-              <a:rPr lang="en-US" dirty="0">
-                <a:solidFill>
-                  <a:srgbClr val="000000"/>
-                </a:solidFill>
-              </a:rPr>
-              <a:t>Viewing Results</a:t>
-            </a:r>
-            <a:endParaRPr lang="en-US" dirty="0">
-              <a:solidFill>
-                <a:srgbClr val="0000FF"/>
-              </a:solidFill>
-            </a:endParaRPr>
-          </a:p>
-        </p:txBody>
-      </p:sp>
-    </p:spTree>
-    <p:extLst>
-      <p:ext uri="{BB962C8B-B14F-4D97-AF65-F5344CB8AC3E}">
-        <p14:creationId xmlns:p14="http://schemas.microsoft.com/office/powerpoint/2010/main" val="2898216860"/>
-      </p:ext>
-    </p:extLst>
-  </p:cSld>
-  <p:clrMapOvr>
-    <a:masterClrMapping/>
-  </p:clrMapOvr>
-</p:sld>
-</file>
-
-<file path=ppt/slides/slide8.xml><?xml version="1.0" encoding="utf-8"?>
-<p:sld xmlns:a="http://schemas.openxmlformats.org/drawingml/2006/main" xmlns:r="http://schemas.openxmlformats.org/officeDocument/2006/relationships" xmlns:p="http://schemas.openxmlformats.org/presentationml/2006/main">
-  <p:cSld>
-    <p:spTree>
-      <p:nvGrpSpPr>
-        <p:cNvPr id="1" name=""/>
-        <p:cNvGrpSpPr/>
-        <p:nvPr/>
-      </p:nvGrpSpPr>
-      <p:grpSpPr>
-        <a:xfrm>
-          <a:off x="0" y="0"/>
-          <a:ext cx="0" cy="0"/>
-          <a:chOff x="0" y="0"/>
-          <a:chExt cx="0" cy="0"/>
-        </a:xfrm>
-      </p:grpSpPr>
-      <p:sp>
-        <p:nvSpPr>
-          <p:cNvPr id="68612" name="Rectangle 4"/>
-          <p:cNvSpPr>
-            <a:spLocks noGrp="1" noChangeArrowheads="1"/>
-          </p:cNvSpPr>
-          <p:nvPr>
-            <p:ph type="ctrTitle"/>
-          </p:nvPr>
-        </p:nvSpPr>
-        <p:spPr>
-          <a:xfrm>
-            <a:off x="2892425" y="1717001"/>
-            <a:ext cx="5797550" cy="430887"/>
-          </a:xfrm>
-        </p:spPr>
-        <p:txBody>
-          <a:bodyPr/>
-          <a:lstStyle/>
-          <a:p>
-            <a:r>
-              <a:rPr lang="en-US" b="0" dirty="0"/>
-              <a:t>Exercise 1</a:t>
-            </a:r>
-          </a:p>
-        </p:txBody>
-      </p:sp>
-      <p:sp>
-        <p:nvSpPr>
-          <p:cNvPr id="68613" name="Rectangle 5"/>
-          <p:cNvSpPr>
-            <a:spLocks noGrp="1" noChangeArrowheads="1"/>
-          </p:cNvSpPr>
-          <p:nvPr>
-            <p:ph type="subTitle" idx="1"/>
-          </p:nvPr>
-        </p:nvSpPr>
-        <p:spPr>
-          <a:xfrm>
-            <a:off x="2914650" y="2514600"/>
-            <a:ext cx="5775325" cy="612775"/>
-          </a:xfrm>
-        </p:spPr>
-        <p:txBody>
-          <a:bodyPr/>
-          <a:lstStyle/>
-          <a:p>
-            <a:r>
-              <a:rPr lang="en-US" b="0" dirty="0"/>
-              <a:t>Sample and Plot</a:t>
-            </a:r>
-          </a:p>
-        </p:txBody>
-      </p:sp>
-      <p:pic>
-        <p:nvPicPr>
-          <p:cNvPr id="6" name="Picture 6" descr="raven.gif"/>
-          <p:cNvPicPr>
-            <a:picLocks noChangeAspect="1"/>
-          </p:cNvPicPr>
-          <p:nvPr/>
-        </p:nvPicPr>
-        <p:blipFill>
-          <a:blip r:embed="rId2">
-            <a:alphaModFix amt="32000"/>
-          </a:blip>
-          <a:srcRect/>
-          <a:stretch>
-            <a:fillRect/>
-          </a:stretch>
-        </p:blipFill>
-        <p:spPr bwMode="auto">
-          <a:xfrm>
-            <a:off x="4098571" y="3875434"/>
-            <a:ext cx="2936052" cy="2202039"/>
-          </a:xfrm>
-          <a:prstGeom prst="rect">
-            <a:avLst/>
-          </a:prstGeom>
-          <a:noFill/>
-          <a:ln w="9525">
-            <a:noFill/>
-            <a:miter lim="800000"/>
-            <a:headEnd/>
-            <a:tailEnd/>
-          </a:ln>
-        </p:spPr>
-      </p:pic>
-    </p:spTree>
-    <p:extLst>
-      <p:ext uri="{BB962C8B-B14F-4D97-AF65-F5344CB8AC3E}">
-        <p14:creationId xmlns:p14="http://schemas.microsoft.com/office/powerpoint/2010/main" val="332986482"/>
-      </p:ext>
-    </p:extLst>
-  </p:cSld>
-  <p:clrMapOvr>
-    <a:masterClrMapping/>
-  </p:clrMapOvr>
-</p:sld>
-</file>
-
-<file path=ppt/slides/slide9.xml><?xml version="1.0" encoding="utf-8"?>
+<file path=ppt/slides/slide4.xml><?xml version="1.0" encoding="utf-8"?>
 <p:sld xmlns:a="http://schemas.openxmlformats.org/drawingml/2006/main" xmlns:r="http://schemas.openxmlformats.org/officeDocument/2006/relationships" xmlns:p="http://schemas.openxmlformats.org/presentationml/2006/main">
   <p:cSld>
     <p:spTree>
@@ -38631,7 +34361,134 @@
           <a:p>
             <a:r>
               <a:rPr lang="en-US" dirty="0"/>
-              <a:t>1) Your First RAVEN Input</a:t>
+              <a:t>1) Optimizing: Cooler than Sampling</a:t>
+            </a:r>
+          </a:p>
+        </p:txBody>
+      </p:sp>
+      <p:sp>
+        <p:nvSpPr>
+          <p:cNvPr id="3" name="Content Placeholder 2">
+            <a:extLst>
+              <a:ext uri="{FF2B5EF4-FFF2-40B4-BE49-F238E27FC236}">
+                <a16:creationId xmlns:a16="http://schemas.microsoft.com/office/drawing/2014/main" id="{9CA915C5-C4F9-0945-AC6A-B27CB8D74F8B}"/>
+              </a:ext>
+            </a:extLst>
+          </p:cNvPr>
+          <p:cNvSpPr>
+            <a:spLocks noGrp="1"/>
+          </p:cNvSpPr>
+          <p:nvPr>
+            <p:ph idx="1"/>
+          </p:nvPr>
+        </p:nvSpPr>
+        <p:spPr/>
+        <p:txBody>
+          <a:bodyPr/>
+          <a:lstStyle/>
+          <a:p>
+            <a:endParaRPr lang="en-US" dirty="0"/>
+          </a:p>
+          <a:p>
+            <a:endParaRPr lang="en-US" dirty="0"/>
+          </a:p>
+          <a:p>
+            <a:r>
+              <a:rPr lang="en-US" dirty="0"/>
+              <a:t>SPSA</a:t>
+            </a:r>
+          </a:p>
+          <a:p>
+            <a:pPr lvl="1"/>
+            <a:r>
+              <a:rPr lang="en-US" dirty="0"/>
+              <a:t>Zero-Dimensional Walk</a:t>
+            </a:r>
+          </a:p>
+          <a:p>
+            <a:pPr lvl="1"/>
+            <a:r>
+              <a:rPr lang="en-US" dirty="0"/>
+              <a:t>Gradient-based approach</a:t>
+            </a:r>
+          </a:p>
+          <a:p>
+            <a:pPr lvl="1"/>
+            <a:r>
+              <a:rPr lang="en-US" dirty="0"/>
+              <a:t>Single-point gradient estimation</a:t>
+            </a:r>
+          </a:p>
+          <a:p>
+            <a:pPr lvl="1"/>
+            <a:r>
+              <a:rPr lang="en-US" dirty="0"/>
+              <a:t>Handles stochastic systems</a:t>
+            </a:r>
+          </a:p>
+          <a:p>
+            <a:pPr lvl="1"/>
+            <a:r>
+              <a:rPr lang="en-US" dirty="0"/>
+              <a:t>Step growth, shrink based on performance</a:t>
+            </a:r>
+          </a:p>
+        </p:txBody>
+      </p:sp>
+    </p:spTree>
+    <p:extLst>
+      <p:ext uri="{BB962C8B-B14F-4D97-AF65-F5344CB8AC3E}">
+        <p14:creationId xmlns:p14="http://schemas.microsoft.com/office/powerpoint/2010/main" val="288070972"/>
+      </p:ext>
+    </p:extLst>
+  </p:cSld>
+  <p:clrMapOvr>
+    <a:masterClrMapping/>
+  </p:clrMapOvr>
+</p:sld>
+</file>
+
+<file path=ppt/slides/slide5.xml><?xml version="1.0" encoding="utf-8"?>
+<p:sld xmlns:a="http://schemas.openxmlformats.org/drawingml/2006/main" xmlns:r="http://schemas.openxmlformats.org/officeDocument/2006/relationships" xmlns:p="http://schemas.openxmlformats.org/presentationml/2006/main">
+  <p:cSld>
+    <p:spTree>
+      <p:nvGrpSpPr>
+        <p:cNvPr id="1" name=""/>
+        <p:cNvGrpSpPr/>
+        <p:nvPr/>
+      </p:nvGrpSpPr>
+      <p:grpSpPr>
+        <a:xfrm>
+          <a:off x="0" y="0"/>
+          <a:ext cx="0" cy="0"/>
+          <a:chOff x="0" y="0"/>
+          <a:chExt cx="0" cy="0"/>
+        </a:xfrm>
+      </p:grpSpPr>
+      <p:sp>
+        <p:nvSpPr>
+          <p:cNvPr id="2" name="Title 1">
+            <a:extLst>
+              <a:ext uri="{FF2B5EF4-FFF2-40B4-BE49-F238E27FC236}">
+                <a16:creationId xmlns:a16="http://schemas.microsoft.com/office/drawing/2014/main" id="{C8BE21C5-CA20-4240-895A-35996F4A5003}"/>
+              </a:ext>
+            </a:extLst>
+          </p:cNvPr>
+          <p:cNvSpPr>
+            <a:spLocks noGrp="1"/>
+          </p:cNvSpPr>
+          <p:nvPr>
+            <p:ph type="title"/>
+          </p:nvPr>
+        </p:nvSpPr>
+        <p:spPr/>
+        <p:txBody>
+          <a:bodyPr/>
+          <a:lstStyle/>
+          <a:p>
+            <a:r>
+              <a:rPr lang="en-US" dirty="0"/>
+              <a:t>1) Optimizing: Cooler than Sampling</a:t>
             </a:r>
           </a:p>
         </p:txBody>
@@ -38670,58 +34527,6 @@
           </a:p>
           <a:p>
             <a:endParaRPr lang="en-US" dirty="0"/>
-          </a:p>
-          <a:p>
-            <a:pPr marL="0" indent="0">
-              <a:buNone/>
-            </a:pPr>
-            <a:r>
-              <a:rPr lang="en-US" dirty="0"/>
-              <a:t>Optional: Instead of “vim”, use whatever program you like to edit XMLs</a:t>
-            </a:r>
-          </a:p>
-          <a:p>
-            <a:pPr lvl="1"/>
-            <a:r>
-              <a:rPr lang="en-US" dirty="0"/>
-              <a:t>notepad++</a:t>
-            </a:r>
-          </a:p>
-          <a:p>
-            <a:pPr lvl="1"/>
-            <a:r>
-              <a:rPr lang="en-US" dirty="0" err="1"/>
-              <a:t>visualstudio</a:t>
-            </a:r>
-            <a:endParaRPr lang="en-US" dirty="0"/>
-          </a:p>
-          <a:p>
-            <a:pPr lvl="1"/>
-            <a:r>
-              <a:rPr lang="en-US" dirty="0"/>
-              <a:t>atom</a:t>
-            </a:r>
-          </a:p>
-          <a:p>
-            <a:pPr lvl="1"/>
-            <a:r>
-              <a:rPr lang="en-US" dirty="0"/>
-              <a:t>sublime</a:t>
-            </a:r>
-          </a:p>
-          <a:p>
-            <a:pPr lvl="1"/>
-            <a:r>
-              <a:rPr lang="en-US" dirty="0"/>
-              <a:t>emacs</a:t>
-            </a:r>
-          </a:p>
-          <a:p>
-            <a:pPr lvl="1"/>
-            <a:r>
-              <a:rPr lang="en-US" dirty="0"/>
-              <a:t>vim</a:t>
-            </a:r>
           </a:p>
           <a:p>
             <a:pPr marL="0" indent="0">
@@ -38788,25 +34593,7 @@
                 </a:solidFill>
                 <a:latin typeface="Lucida Console" panose="020B0609040504020204" pitchFamily="49" charset="0"/>
               </a:rPr>
-              <a:t> cd raven/doc/workshop/</a:t>
-            </a:r>
-            <a:r>
-              <a:rPr lang="en-US" sz="1800" dirty="0" err="1">
-                <a:solidFill>
-                  <a:schemeClr val="bg1"/>
-                </a:solidFill>
-                <a:latin typeface="Lucida Console" panose="020B0609040504020204" pitchFamily="49" charset="0"/>
-              </a:rPr>
-              <a:t>forwardSampling</a:t>
-            </a:r>
-            <a:r>
-              <a:rPr lang="en-US" sz="1800" dirty="0">
-                <a:solidFill>
-                  <a:schemeClr val="bg1"/>
-                </a:solidFill>
-                <a:latin typeface="Lucida Console" panose="020B0609040504020204" pitchFamily="49" charset="0"/>
-              </a:rPr>
-              <a:t>/exercises</a:t>
+              <a:t> cd raven/doc/workshop/optimizer/exercises</a:t>
             </a:r>
           </a:p>
           <a:p>
@@ -38826,7 +34613,7 @@
                 </a:solidFill>
                 <a:latin typeface="Lucida Console" panose="020B0609040504020204" pitchFamily="49" charset="0"/>
               </a:rPr>
-              <a:t> vim 1_sample_and_plot.xml</a:t>
+              <a:t> vim 1_optimize.xml</a:t>
             </a:r>
           </a:p>
         </p:txBody>
@@ -38835,6 +34622,165 @@
     <p:extLst>
       <p:ext uri="{BB962C8B-B14F-4D97-AF65-F5344CB8AC3E}">
         <p14:creationId xmlns:p14="http://schemas.microsoft.com/office/powerpoint/2010/main" val="2845040672"/>
+      </p:ext>
+    </p:extLst>
+  </p:cSld>
+  <p:clrMapOvr>
+    <a:masterClrMapping/>
+  </p:clrMapOvr>
+</p:sld>
+</file>
+
+<file path=ppt/slides/slide6.xml><?xml version="1.0" encoding="utf-8"?>
+<p:sld xmlns:a="http://schemas.openxmlformats.org/drawingml/2006/main" xmlns:r="http://schemas.openxmlformats.org/officeDocument/2006/relationships" xmlns:p="http://schemas.openxmlformats.org/presentationml/2006/main">
+  <p:cSld>
+    <p:spTree>
+      <p:nvGrpSpPr>
+        <p:cNvPr id="1" name=""/>
+        <p:cNvGrpSpPr/>
+        <p:nvPr/>
+      </p:nvGrpSpPr>
+      <p:grpSpPr>
+        <a:xfrm>
+          <a:off x="0" y="0"/>
+          <a:ext cx="0" cy="0"/>
+          <a:chOff x="0" y="0"/>
+          <a:chExt cx="0" cy="0"/>
+        </a:xfrm>
+      </p:grpSpPr>
+      <p:sp>
+        <p:nvSpPr>
+          <p:cNvPr id="2" name="Title 1">
+            <a:extLst>
+              <a:ext uri="{FF2B5EF4-FFF2-40B4-BE49-F238E27FC236}">
+                <a16:creationId xmlns:a16="http://schemas.microsoft.com/office/drawing/2014/main" id="{4A0CC8C0-1E00-1E44-ADF4-F69197E4FE72}"/>
+              </a:ext>
+            </a:extLst>
+          </p:cNvPr>
+          <p:cNvSpPr>
+            <a:spLocks noGrp="1"/>
+          </p:cNvSpPr>
+          <p:nvPr>
+            <p:ph type="title"/>
+          </p:nvPr>
+        </p:nvSpPr>
+        <p:spPr/>
+        <p:txBody>
+          <a:bodyPr/>
+          <a:lstStyle/>
+          <a:p>
+            <a:r>
+              <a:rPr lang="en-US" dirty="0"/>
+              <a:t>1) Now try running it</a:t>
+            </a:r>
+          </a:p>
+        </p:txBody>
+      </p:sp>
+      <p:sp>
+        <p:nvSpPr>
+          <p:cNvPr id="6" name="Content Placeholder 5">
+            <a:extLst>
+              <a:ext uri="{FF2B5EF4-FFF2-40B4-BE49-F238E27FC236}">
+                <a16:creationId xmlns:a16="http://schemas.microsoft.com/office/drawing/2014/main" id="{BE137DCC-A19C-A14D-AC48-FAA1552D6CB5}"/>
+              </a:ext>
+            </a:extLst>
+          </p:cNvPr>
+          <p:cNvSpPr>
+            <a:spLocks noGrp="1"/>
+          </p:cNvSpPr>
+          <p:nvPr>
+            <p:ph idx="1"/>
+          </p:nvPr>
+        </p:nvSpPr>
+        <p:spPr/>
+        <p:txBody>
+          <a:bodyPr/>
+          <a:lstStyle/>
+          <a:p>
+            <a:r>
+              <a:rPr lang="en-US" dirty="0"/>
+              <a:t>Steps to run</a:t>
+            </a:r>
+          </a:p>
+          <a:p>
+            <a:pPr lvl="1"/>
+            <a:r>
+              <a:rPr lang="en-US" dirty="0"/>
+              <a:t>Use raven to run “1_optimize.xml”</a:t>
+            </a:r>
+          </a:p>
+          <a:p>
+            <a:pPr lvl="1"/>
+            <a:r>
+              <a:rPr lang="en-US" dirty="0"/>
+              <a:t>See path taken in “to_file_1.csv”</a:t>
+            </a:r>
+          </a:p>
+          <a:p>
+            <a:pPr lvl="1"/>
+            <a:endParaRPr lang="en-US" dirty="0"/>
+          </a:p>
+          <a:p>
+            <a:r>
+              <a:rPr lang="en-US" dirty="0"/>
+              <a:t>Things to play with</a:t>
+            </a:r>
+          </a:p>
+          <a:p>
+            <a:pPr lvl="1"/>
+            <a:r>
+              <a:rPr lang="en-US" dirty="0" err="1"/>
+              <a:t>gainGrowthFactor</a:t>
+            </a:r>
+            <a:endParaRPr lang="en-US" dirty="0"/>
+          </a:p>
+          <a:p>
+            <a:pPr lvl="1"/>
+            <a:r>
+              <a:rPr lang="en-US" dirty="0" err="1"/>
+              <a:t>gainShrinkFactor</a:t>
+            </a:r>
+            <a:endParaRPr lang="en-US" dirty="0"/>
+          </a:p>
+          <a:p>
+            <a:pPr lvl="1"/>
+            <a:r>
+              <a:rPr lang="en-US" dirty="0"/>
+              <a:t>Convergence criteria</a:t>
+            </a:r>
+          </a:p>
+          <a:p>
+            <a:pPr lvl="1"/>
+            <a:r>
+              <a:rPr lang="en-US" dirty="0"/>
+              <a:t>See user manual, section 11 (</a:t>
+            </a:r>
+            <a:r>
+              <a:rPr lang="en-US"/>
+              <a:t>13 in old one)</a:t>
+            </a:r>
+            <a:endParaRPr lang="en-US" dirty="0"/>
+          </a:p>
+          <a:p>
+            <a:pPr lvl="1"/>
+            <a:endParaRPr lang="en-US" dirty="0"/>
+          </a:p>
+          <a:p>
+            <a:r>
+              <a:rPr lang="en-US" b="1" dirty="0">
+                <a:solidFill>
+                  <a:schemeClr val="accent1"/>
+                </a:solidFill>
+              </a:rPr>
+              <a:t>Ready? Go!</a:t>
+            </a:r>
+          </a:p>
+        </p:txBody>
+      </p:sp>
+    </p:spTree>
+    <p:extLst>
+      <p:ext uri="{BB962C8B-B14F-4D97-AF65-F5344CB8AC3E}">
+        <p14:creationId xmlns:p14="http://schemas.microsoft.com/office/powerpoint/2010/main" val="697058250"/>
       </p:ext>
     </p:extLst>
   </p:cSld>

--- a/doc/workshop/optimizer/Optimizers.pptx
+++ b/doc/workshop/optimizer/Optimizers.pptx
@@ -34433,6 +34433,13 @@
               <a:t>Step growth, shrink based on performance</a:t>
             </a:r>
           </a:p>
+          <a:p>
+            <a:pPr lvl="1"/>
+            <a:r>
+              <a:rPr lang="en-US" dirty="0"/>
+              <a:t>Multiple trajectories</a:t>
+            </a:r>
+          </a:p>
         </p:txBody>
       </p:sp>
     </p:spTree>
@@ -34753,13 +34760,8 @@
             <a:pPr lvl="1"/>
             <a:r>
               <a:rPr lang="en-US" dirty="0"/>
-              <a:t>See user manual, section 11 (</a:t>
+              <a:t>See user manual, section 11 (13 in old one)</a:t>
             </a:r>
-            <a:r>
-              <a:rPr lang="en-US"/>
-              <a:t>13 in old one)</a:t>
-            </a:r>
-            <a:endParaRPr lang="en-US" dirty="0"/>
           </a:p>
           <a:p>
             <a:pPr lvl="1"/>
@@ -34773,6 +34775,27 @@
                 </a:solidFill>
               </a:rPr>
               <a:t>Ready? Go!</a:t>
+            </a:r>
+          </a:p>
+          <a:p>
+            <a:endParaRPr lang="en-US" b="1" dirty="0">
+              <a:solidFill>
+                <a:schemeClr val="accent1"/>
+              </a:solidFill>
+            </a:endParaRPr>
+          </a:p>
+          <a:p>
+            <a:r>
+              <a:rPr lang="en-US" dirty="0"/>
+              <a:t>Extra: Use </a:t>
+            </a:r>
+            <a:r>
+              <a:rPr lang="en-US" dirty="0" err="1"/>
+              <a:t>EnsembleModel</a:t>
+            </a:r>
+            <a:r>
+              <a:rPr lang="en-US" dirty="0"/>
+              <a:t>, get the maximum range without exceeding a height of 20 feet</a:t>
             </a:r>
           </a:p>
         </p:txBody>
